--- a/5g sieť.pptx
+++ b/5g sieť.pptx
@@ -5,10 +5,10 @@
     <p:sldMasterId id="2147483672" r:id="rId1"/>
   </p:sldMasterIdLst>
   <p:notesMasterIdLst>
-    <p:notesMasterId r:id="rId11"/>
+    <p:notesMasterId r:id="rId12"/>
   </p:notesMasterIdLst>
   <p:handoutMasterIdLst>
-    <p:handoutMasterId r:id="rId12"/>
+    <p:handoutMasterId r:id="rId13"/>
   </p:handoutMasterIdLst>
   <p:sldIdLst>
     <p:sldId id="272" r:id="rId2"/>
@@ -17,9 +17,10 @@
     <p:sldId id="267" r:id="rId5"/>
     <p:sldId id="271" r:id="rId6"/>
     <p:sldId id="265" r:id="rId7"/>
-    <p:sldId id="266" r:id="rId8"/>
-    <p:sldId id="273" r:id="rId9"/>
-    <p:sldId id="274" r:id="rId10"/>
+    <p:sldId id="275" r:id="rId8"/>
+    <p:sldId id="266" r:id="rId9"/>
+    <p:sldId id="273" r:id="rId10"/>
+    <p:sldId id="274" r:id="rId11"/>
   </p:sldIdLst>
   <p:sldSz cx="12192000" cy="6858000"/>
   <p:notesSz cx="6858000" cy="9144000"/>
@@ -9592,6 +9593,412 @@
 </p:sld>
 </file>
 
+<file path=ppt/slides/slide10.xml><?xml version="1.0" encoding="utf-8"?>
+<p:sld xmlns:a="http://schemas.openxmlformats.org/drawingml/2006/main" xmlns:r="http://schemas.openxmlformats.org/officeDocument/2006/relationships" xmlns:p="http://schemas.openxmlformats.org/presentationml/2006/main">
+  <p:cSld>
+    <p:spTree>
+      <p:nvGrpSpPr>
+        <p:cNvPr id="1" name=""/>
+        <p:cNvGrpSpPr/>
+        <p:nvPr/>
+      </p:nvGrpSpPr>
+      <p:grpSpPr>
+        <a:xfrm>
+          <a:off x="0" y="0"/>
+          <a:ext cx="0" cy="0"/>
+          <a:chOff x="0" y="0"/>
+          <a:chExt cx="0" cy="0"/>
+        </a:xfrm>
+      </p:grpSpPr>
+      <p:pic>
+        <p:nvPicPr>
+          <p:cNvPr id="5122" name="Picture 2" descr="5G-Technologie: Alles, was es zu wissen gilt">
+            <a:extLst>
+              <a:ext uri="{FF2B5EF4-FFF2-40B4-BE49-F238E27FC236}">
+                <a16:creationId xmlns:a16="http://schemas.microsoft.com/office/drawing/2014/main" id="{5CAD5020-3FC7-5F2A-B8C5-FF0A6E49D881}"/>
+              </a:ext>
+            </a:extLst>
+          </p:cNvPr>
+          <p:cNvPicPr>
+            <a:picLocks noGrp="1" noRot="1" noChangeAspect="1" noMove="1" noResize="1" noEditPoints="1" noAdjustHandles="1" noChangeArrowheads="1" noChangeShapeType="1" noCrop="1"/>
+          </p:cNvPicPr>
+          <p:nvPr/>
+        </p:nvPicPr>
+        <p:blipFill rotWithShape="1">
+          <a:blip r:embed="rId2">
+            <a:extLst>
+              <a:ext uri="{28A0092B-C50C-407E-A947-70E740481C1C}">
+                <a14:useLocalDpi xmlns:a14="http://schemas.microsoft.com/office/drawing/2010/main" val="0"/>
+              </a:ext>
+            </a:extLst>
+          </a:blip>
+          <a:srcRect b="15670"/>
+          <a:stretch/>
+        </p:blipFill>
+        <p:spPr bwMode="auto">
+          <a:xfrm>
+            <a:off x="0" y="0"/>
+            <a:ext cx="12192000" cy="6858000"/>
+          </a:xfrm>
+          <a:prstGeom prst="rect">
+            <a:avLst/>
+          </a:prstGeom>
+          <a:noFill/>
+          <a:extLst>
+            <a:ext uri="{909E8E84-426E-40DD-AFC4-6F175D3DCCD1}">
+              <a14:hiddenFill xmlns:a14="http://schemas.microsoft.com/office/drawing/2010/main">
+                <a:solidFill>
+                  <a:srgbClr val="FFFFFF"/>
+                </a:solidFill>
+              </a14:hiddenFill>
+            </a:ext>
+          </a:extLst>
+        </p:spPr>
+      </p:pic>
+      <p:sp>
+        <p:nvSpPr>
+          <p:cNvPr id="4" name="Obdĺžnik 3">
+            <a:extLst>
+              <a:ext uri="{FF2B5EF4-FFF2-40B4-BE49-F238E27FC236}">
+                <a16:creationId xmlns:a16="http://schemas.microsoft.com/office/drawing/2014/main" id="{B3BABD09-FCCC-754E-313E-77CA7247E9F5}"/>
+              </a:ext>
+            </a:extLst>
+          </p:cNvPr>
+          <p:cNvSpPr/>
+          <p:nvPr/>
+        </p:nvSpPr>
+        <p:spPr>
+          <a:xfrm>
+            <a:off x="696000" y="960025"/>
+            <a:ext cx="10800000" cy="1080000"/>
+          </a:xfrm>
+          <a:prstGeom prst="rect">
+            <a:avLst/>
+          </a:prstGeom>
+        </p:spPr>
+        <p:style>
+          <a:lnRef idx="2">
+            <a:schemeClr val="accent1">
+              <a:shade val="15000"/>
+            </a:schemeClr>
+          </a:lnRef>
+          <a:fillRef idx="1">
+            <a:schemeClr val="accent1"/>
+          </a:fillRef>
+          <a:effectRef idx="0">
+            <a:schemeClr val="accent1"/>
+          </a:effectRef>
+          <a:fontRef idx="minor">
+            <a:schemeClr val="lt1"/>
+          </a:fontRef>
+        </p:style>
+        <p:txBody>
+          <a:bodyPr rtlCol="0" anchor="ctr"/>
+          <a:lstStyle/>
+          <a:p>
+            <a:pPr algn="ctr"/>
+            <a:endParaRPr lang="sk-SK" dirty="0"/>
+          </a:p>
+        </p:txBody>
+      </p:sp>
+      <p:sp>
+        <p:nvSpPr>
+          <p:cNvPr id="2" name="Nadpis 1">
+            <a:extLst>
+              <a:ext uri="{FF2B5EF4-FFF2-40B4-BE49-F238E27FC236}">
+                <a16:creationId xmlns:a16="http://schemas.microsoft.com/office/drawing/2014/main" id="{70F113B0-C010-A2A4-9883-B1FDF8A1C7C4}"/>
+              </a:ext>
+            </a:extLst>
+          </p:cNvPr>
+          <p:cNvSpPr>
+            <a:spLocks noGrp="1"/>
+          </p:cNvSpPr>
+          <p:nvPr>
+            <p:ph type="title"/>
+          </p:nvPr>
+        </p:nvSpPr>
+        <p:spPr>
+          <a:xfrm>
+            <a:off x="801664" y="1126050"/>
+            <a:ext cx="10435296" cy="716147"/>
+          </a:xfrm>
+        </p:spPr>
+        <p:txBody>
+          <a:bodyPr>
+            <a:normAutofit/>
+          </a:bodyPr>
+          <a:lstStyle/>
+          <a:p>
+            <a:pPr algn="ctr"/>
+            <a:r>
+              <a:rPr lang="sk-SK" sz="3500" b="1" dirty="0"/>
+              <a:t>Ďakujem za pozornosť!</a:t>
+            </a:r>
+          </a:p>
+        </p:txBody>
+      </p:sp>
+      <p:sp>
+        <p:nvSpPr>
+          <p:cNvPr id="5" name="Obdĺžnik 4">
+            <a:extLst>
+              <a:ext uri="{FF2B5EF4-FFF2-40B4-BE49-F238E27FC236}">
+                <a16:creationId xmlns:a16="http://schemas.microsoft.com/office/drawing/2014/main" id="{F3088E56-0899-B53B-3C9F-493355F4E19D}"/>
+              </a:ext>
+            </a:extLst>
+          </p:cNvPr>
+          <p:cNvSpPr/>
+          <p:nvPr/>
+        </p:nvSpPr>
+        <p:spPr>
+          <a:xfrm>
+            <a:off x="696000" y="792172"/>
+            <a:ext cx="3240000" cy="90000"/>
+          </a:xfrm>
+          <a:prstGeom prst="rect">
+            <a:avLst/>
+          </a:prstGeom>
+        </p:spPr>
+        <p:style>
+          <a:lnRef idx="2">
+            <a:schemeClr val="accent1">
+              <a:shade val="15000"/>
+            </a:schemeClr>
+          </a:lnRef>
+          <a:fillRef idx="1">
+            <a:schemeClr val="accent1"/>
+          </a:fillRef>
+          <a:effectRef idx="0">
+            <a:schemeClr val="accent1"/>
+          </a:effectRef>
+          <a:fontRef idx="minor">
+            <a:schemeClr val="lt1"/>
+          </a:fontRef>
+        </p:style>
+        <p:txBody>
+          <a:bodyPr rtlCol="0" anchor="ctr"/>
+          <a:lstStyle/>
+          <a:p>
+            <a:pPr algn="ctr"/>
+            <a:endParaRPr lang="sk-SK"/>
+          </a:p>
+        </p:txBody>
+      </p:sp>
+      <p:sp>
+        <p:nvSpPr>
+          <p:cNvPr id="6" name="Obdĺžnik 5">
+            <a:extLst>
+              <a:ext uri="{FF2B5EF4-FFF2-40B4-BE49-F238E27FC236}">
+                <a16:creationId xmlns:a16="http://schemas.microsoft.com/office/drawing/2014/main" id="{5F18FA96-1ED6-DE70-9C23-342E375182DF}"/>
+              </a:ext>
+            </a:extLst>
+          </p:cNvPr>
+          <p:cNvSpPr/>
+          <p:nvPr/>
+        </p:nvSpPr>
+        <p:spPr>
+          <a:xfrm>
+            <a:off x="4476000" y="792172"/>
+            <a:ext cx="3240000" cy="90000"/>
+          </a:xfrm>
+          <a:prstGeom prst="rect">
+            <a:avLst/>
+          </a:prstGeom>
+          <a:solidFill>
+            <a:srgbClr val="00B0F0"/>
+          </a:solidFill>
+        </p:spPr>
+        <p:style>
+          <a:lnRef idx="2">
+            <a:schemeClr val="accent1">
+              <a:shade val="15000"/>
+            </a:schemeClr>
+          </a:lnRef>
+          <a:fillRef idx="1">
+            <a:schemeClr val="accent1"/>
+          </a:fillRef>
+          <a:effectRef idx="0">
+            <a:schemeClr val="accent1"/>
+          </a:effectRef>
+          <a:fontRef idx="minor">
+            <a:schemeClr val="lt1"/>
+          </a:fontRef>
+        </p:style>
+        <p:txBody>
+          <a:bodyPr rtlCol="0" anchor="ctr"/>
+          <a:lstStyle/>
+          <a:p>
+            <a:pPr algn="ctr"/>
+            <a:endParaRPr lang="sk-SK"/>
+          </a:p>
+        </p:txBody>
+      </p:sp>
+      <p:sp>
+        <p:nvSpPr>
+          <p:cNvPr id="7" name="Obdĺžnik 6">
+            <a:extLst>
+              <a:ext uri="{FF2B5EF4-FFF2-40B4-BE49-F238E27FC236}">
+                <a16:creationId xmlns:a16="http://schemas.microsoft.com/office/drawing/2014/main" id="{E698FE54-1F4A-D253-7910-14B6572B87A3}"/>
+              </a:ext>
+            </a:extLst>
+          </p:cNvPr>
+          <p:cNvSpPr/>
+          <p:nvPr/>
+        </p:nvSpPr>
+        <p:spPr>
+          <a:xfrm>
+            <a:off x="8256000" y="792172"/>
+            <a:ext cx="3240000" cy="90000"/>
+          </a:xfrm>
+          <a:prstGeom prst="rect">
+            <a:avLst/>
+          </a:prstGeom>
+          <a:solidFill>
+            <a:schemeClr val="accent4">
+              <a:lumMod val="60000"/>
+              <a:lumOff val="40000"/>
+            </a:schemeClr>
+          </a:solidFill>
+        </p:spPr>
+        <p:style>
+          <a:lnRef idx="2">
+            <a:schemeClr val="accent1">
+              <a:shade val="15000"/>
+            </a:schemeClr>
+          </a:lnRef>
+          <a:fillRef idx="1">
+            <a:schemeClr val="accent1"/>
+          </a:fillRef>
+          <a:effectRef idx="0">
+            <a:schemeClr val="accent1"/>
+          </a:effectRef>
+          <a:fontRef idx="minor">
+            <a:schemeClr val="lt1"/>
+          </a:fontRef>
+        </p:style>
+        <p:txBody>
+          <a:bodyPr rtlCol="0" anchor="ctr"/>
+          <a:lstStyle/>
+          <a:p>
+            <a:pPr algn="ctr"/>
+            <a:endParaRPr lang="sk-SK"/>
+          </a:p>
+        </p:txBody>
+      </p:sp>
+      <p:sp>
+        <p:nvSpPr>
+          <p:cNvPr id="8" name="Pravouhlý trojuholník 7">
+            <a:extLst>
+              <a:ext uri="{FF2B5EF4-FFF2-40B4-BE49-F238E27FC236}">
+                <a16:creationId xmlns:a16="http://schemas.microsoft.com/office/drawing/2014/main" id="{10349A59-CBAC-6727-483C-8EE134813A9D}"/>
+              </a:ext>
+            </a:extLst>
+          </p:cNvPr>
+          <p:cNvSpPr/>
+          <p:nvPr/>
+        </p:nvSpPr>
+        <p:spPr>
+          <a:xfrm rot="16200000">
+            <a:off x="10581600" y="1125625"/>
+            <a:ext cx="914400" cy="914400"/>
+          </a:xfrm>
+          <a:prstGeom prst="rtTriangle">
+            <a:avLst/>
+          </a:prstGeom>
+          <a:solidFill>
+            <a:schemeClr val="accent4">
+              <a:lumMod val="75000"/>
+            </a:schemeClr>
+          </a:solidFill>
+        </p:spPr>
+        <p:style>
+          <a:lnRef idx="2">
+            <a:schemeClr val="accent1">
+              <a:shade val="15000"/>
+            </a:schemeClr>
+          </a:lnRef>
+          <a:fillRef idx="1">
+            <a:schemeClr val="accent1"/>
+          </a:fillRef>
+          <a:effectRef idx="0">
+            <a:schemeClr val="accent1"/>
+          </a:effectRef>
+          <a:fontRef idx="minor">
+            <a:schemeClr val="lt1"/>
+          </a:fontRef>
+        </p:style>
+        <p:txBody>
+          <a:bodyPr rtlCol="0" anchor="ctr"/>
+          <a:lstStyle/>
+          <a:p>
+            <a:pPr algn="ctr"/>
+            <a:endParaRPr lang="sk-SK"/>
+          </a:p>
+        </p:txBody>
+      </p:sp>
+      <p:sp>
+        <p:nvSpPr>
+          <p:cNvPr id="9" name="Pravouhlý trojuholník 8">
+            <a:extLst>
+              <a:ext uri="{FF2B5EF4-FFF2-40B4-BE49-F238E27FC236}">
+                <a16:creationId xmlns:a16="http://schemas.microsoft.com/office/drawing/2014/main" id="{13D2CD55-1330-01B7-A762-727524B75F4B}"/>
+              </a:ext>
+            </a:extLst>
+          </p:cNvPr>
+          <p:cNvSpPr/>
+          <p:nvPr/>
+        </p:nvSpPr>
+        <p:spPr>
+          <a:xfrm rot="5400000">
+            <a:off x="715344" y="960025"/>
+            <a:ext cx="914400" cy="914400"/>
+          </a:xfrm>
+          <a:prstGeom prst="rtTriangle">
+            <a:avLst/>
+          </a:prstGeom>
+          <a:solidFill>
+            <a:srgbClr val="6C7781">
+              <a:alpha val="30196"/>
+            </a:srgbClr>
+          </a:solidFill>
+        </p:spPr>
+        <p:style>
+          <a:lnRef idx="2">
+            <a:schemeClr val="accent1">
+              <a:shade val="15000"/>
+            </a:schemeClr>
+          </a:lnRef>
+          <a:fillRef idx="1">
+            <a:schemeClr val="accent1"/>
+          </a:fillRef>
+          <a:effectRef idx="0">
+            <a:schemeClr val="accent1"/>
+          </a:effectRef>
+          <a:fontRef idx="minor">
+            <a:schemeClr val="lt1"/>
+          </a:fontRef>
+        </p:style>
+        <p:txBody>
+          <a:bodyPr rtlCol="0" anchor="ctr"/>
+          <a:lstStyle/>
+          <a:p>
+            <a:pPr algn="ctr"/>
+            <a:endParaRPr lang="sk-SK" dirty="0"/>
+          </a:p>
+        </p:txBody>
+      </p:sp>
+    </p:spTree>
+    <p:extLst>
+      <p:ext uri="{BB962C8B-B14F-4D97-AF65-F5344CB8AC3E}">
+        <p14:creationId xmlns:p14="http://schemas.microsoft.com/office/powerpoint/2010/main" val="1950755834"/>
+      </p:ext>
+    </p:extLst>
+  </p:cSld>
+  <p:clrMapOvr>
+    <a:masterClrMapping/>
+  </p:clrMapOvr>
+</p:sld>
+</file>
+
 <file path=ppt/slides/slide2.xml><?xml version="1.0" encoding="utf-8"?>
 <p:sld xmlns:a="http://schemas.openxmlformats.org/drawingml/2006/main" xmlns:r="http://schemas.openxmlformats.org/officeDocument/2006/relationships" xmlns:p="http://schemas.openxmlformats.org/presentationml/2006/main">
   <p:cSld>
@@ -10928,7 +11335,7 @@
         <p:spPr>
           <a:xfrm>
             <a:off x="711200" y="2796000"/>
-            <a:ext cx="4346190" cy="2477601"/>
+            <a:ext cx="2852127" cy="2477601"/>
           </a:xfrm>
           <a:prstGeom prst="rect">
             <a:avLst/>
@@ -10977,7 +11384,7 @@
                   <a:schemeClr val="bg1"/>
                 </a:solidFill>
               </a:rPr>
-              <a:t>Streamovanie videa alebo hudby</a:t>
+              <a:t>Kvalita streamovania</a:t>
             </a:r>
           </a:p>
           <a:p>
@@ -11060,7 +11467,7 @@
         <p:spPr>
           <a:xfrm>
             <a:off x="6482080" y="2764349"/>
-            <a:ext cx="1838965" cy="1985159"/>
+            <a:ext cx="3147015" cy="2369880"/>
           </a:xfrm>
           <a:prstGeom prst="rect">
             <a:avLst/>
@@ -11118,6 +11525,16 @@
                 </a:solidFill>
               </a:rPr>
               <a:t>Čas výstavby</a:t>
+            </a:r>
+          </a:p>
+          <a:p>
+            <a:r>
+              <a:rPr lang="sk-SK" sz="2500" dirty="0">
+                <a:solidFill>
+                  <a:schemeClr val="bg1"/>
+                </a:solidFill>
+              </a:rPr>
+              <a:t>vyššia spotreba batérie</a:t>
             </a:r>
           </a:p>
           <a:p>
@@ -11309,6 +11726,554 @@
           <p:cNvPr id="2" name="Nadpis 1">
             <a:extLst>
               <a:ext uri="{FF2B5EF4-FFF2-40B4-BE49-F238E27FC236}">
+                <a16:creationId xmlns:a16="http://schemas.microsoft.com/office/drawing/2014/main" id="{B614B4E7-FB79-E8CC-CD89-2FFEDE58504C}"/>
+              </a:ext>
+            </a:extLst>
+          </p:cNvPr>
+          <p:cNvSpPr>
+            <a:spLocks noGrp="1"/>
+          </p:cNvSpPr>
+          <p:nvPr>
+            <p:ph type="title"/>
+          </p:nvPr>
+        </p:nvSpPr>
+        <p:spPr/>
+        <p:txBody>
+          <a:bodyPr>
+            <a:normAutofit/>
+          </a:bodyPr>
+          <a:lstStyle/>
+          <a:p>
+            <a:r>
+              <a:rPr lang="sk-SK" sz="3500" b="1" dirty="0">
+                <a:effectLst/>
+                <a:latin typeface="Calibri" panose="020F0502020204030204" pitchFamily="34" charset="0"/>
+                <a:ea typeface="Calibri" panose="020F0502020204030204" pitchFamily="34" charset="0"/>
+                <a:cs typeface="Times New Roman" panose="02020603050405020304" pitchFamily="18" charset="0"/>
+              </a:rPr>
+              <a:t>Porovnanie s predošlými generáciami sieti</a:t>
+            </a:r>
+            <a:endParaRPr lang="sk-SK" sz="3500" b="1" dirty="0"/>
+          </a:p>
+        </p:txBody>
+      </p:sp>
+      <p:graphicFrame>
+        <p:nvGraphicFramePr>
+          <p:cNvPr id="6" name="Zástupný objekt pre obsah 5">
+            <a:extLst>
+              <a:ext uri="{FF2B5EF4-FFF2-40B4-BE49-F238E27FC236}">
+                <a16:creationId xmlns:a16="http://schemas.microsoft.com/office/drawing/2014/main" id="{29EB6F9E-C264-24EF-D905-795D8223733E}"/>
+              </a:ext>
+            </a:extLst>
+          </p:cNvPr>
+          <p:cNvGraphicFramePr>
+            <a:graphicFrameLocks noGrp="1"/>
+          </p:cNvGraphicFramePr>
+          <p:nvPr>
+            <p:ph idx="1"/>
+            <p:extLst>
+              <p:ext uri="{D42A27DB-BD31-4B8C-83A1-F6EECF244321}">
+                <p14:modId xmlns:p14="http://schemas.microsoft.com/office/powerpoint/2010/main" val="1829034352"/>
+              </p:ext>
+            </p:extLst>
+          </p:nvPr>
+        </p:nvGraphicFramePr>
+        <p:xfrm>
+          <a:off x="581025" y="2181224"/>
+          <a:ext cx="11029948" cy="3687732"/>
+        </p:xfrm>
+        <a:graphic>
+          <a:graphicData uri="http://schemas.openxmlformats.org/drawingml/2006/table">
+            <a:tbl>
+              <a:tblPr firstRow="1" bandRow="1">
+                <a:tableStyleId>{5C22544A-7EE6-4342-B048-85BDC9FD1C3A}</a:tableStyleId>
+              </a:tblPr>
+              <a:tblGrid>
+                <a:gridCol w="2880632">
+                  <a:extLst>
+                    <a:ext uri="{9D8B030D-6E8A-4147-A177-3AD203B41FA5}">
+                      <a16:colId xmlns:a16="http://schemas.microsoft.com/office/drawing/2014/main" val="2561380449"/>
+                    </a:ext>
+                  </a:extLst>
+                </a:gridCol>
+                <a:gridCol w="2634342">
+                  <a:extLst>
+                    <a:ext uri="{9D8B030D-6E8A-4147-A177-3AD203B41FA5}">
+                      <a16:colId xmlns:a16="http://schemas.microsoft.com/office/drawing/2014/main" val="4006678700"/>
+                    </a:ext>
+                  </a:extLst>
+                </a:gridCol>
+                <a:gridCol w="2757487">
+                  <a:extLst>
+                    <a:ext uri="{9D8B030D-6E8A-4147-A177-3AD203B41FA5}">
+                      <a16:colId xmlns:a16="http://schemas.microsoft.com/office/drawing/2014/main" val="2601583129"/>
+                    </a:ext>
+                  </a:extLst>
+                </a:gridCol>
+                <a:gridCol w="2757487">
+                  <a:extLst>
+                    <a:ext uri="{9D8B030D-6E8A-4147-A177-3AD203B41FA5}">
+                      <a16:colId xmlns:a16="http://schemas.microsoft.com/office/drawing/2014/main" val="3541135555"/>
+                    </a:ext>
+                  </a:extLst>
+                </a:gridCol>
+              </a:tblGrid>
+              <a:tr h="614622">
+                <a:tc>
+                  <a:txBody>
+                    <a:bodyPr/>
+                    <a:lstStyle/>
+                    <a:p>
+                      <a:r>
+                        <a:rPr lang="sk-SK" dirty="0"/>
+                        <a:t>Generácia mobilnej siete</a:t>
+                      </a:r>
+                    </a:p>
+                  </a:txBody>
+                  <a:tcPr/>
+                </a:tc>
+                <a:tc>
+                  <a:txBody>
+                    <a:bodyPr/>
+                    <a:lstStyle/>
+                    <a:p>
+                      <a:r>
+                        <a:rPr lang="sk-SK" dirty="0"/>
+                        <a:t>Rýchlosť prenosu dát</a:t>
+                      </a:r>
+                    </a:p>
+                  </a:txBody>
+                  <a:tcPr/>
+                </a:tc>
+                <a:tc>
+                  <a:txBody>
+                    <a:bodyPr/>
+                    <a:lstStyle/>
+                    <a:p>
+                      <a:r>
+                        <a:rPr lang="sk-SK" dirty="0"/>
+                        <a:t>Oneskorenie (Latencia)</a:t>
+                      </a:r>
+                    </a:p>
+                  </a:txBody>
+                  <a:tcPr/>
+                </a:tc>
+                <a:tc>
+                  <a:txBody>
+                    <a:bodyPr/>
+                    <a:lstStyle/>
+                    <a:p>
+                      <a:r>
+                        <a:rPr lang="sk-SK" dirty="0"/>
+                        <a:t>Rok</a:t>
+                      </a:r>
+                    </a:p>
+                  </a:txBody>
+                  <a:tcPr/>
+                </a:tc>
+                <a:extLst>
+                  <a:ext uri="{0D108BD9-81ED-4DB2-BD59-A6C34878D82A}">
+                    <a16:rowId xmlns:a16="http://schemas.microsoft.com/office/drawing/2014/main" val="2498370309"/>
+                  </a:ext>
+                </a:extLst>
+              </a:tr>
+              <a:tr h="614622">
+                <a:tc>
+                  <a:txBody>
+                    <a:bodyPr/>
+                    <a:lstStyle/>
+                    <a:p>
+                      <a:r>
+                        <a:rPr lang="sk-SK" dirty="0"/>
+                        <a:t>1G</a:t>
+                      </a:r>
+                    </a:p>
+                  </a:txBody>
+                  <a:tcPr/>
+                </a:tc>
+                <a:tc>
+                  <a:txBody>
+                    <a:bodyPr/>
+                    <a:lstStyle/>
+                    <a:p>
+                      <a:r>
+                        <a:rPr lang="sk-SK" dirty="0"/>
+                        <a:t>2,4 </a:t>
+                      </a:r>
+                      <a:r>
+                        <a:rPr lang="sk-SK" dirty="0" err="1"/>
+                        <a:t>kb</a:t>
+                      </a:r>
+                      <a:r>
+                        <a:rPr lang="sk-SK" dirty="0"/>
+                        <a:t>/s</a:t>
+                      </a:r>
+                    </a:p>
+                  </a:txBody>
+                  <a:tcPr/>
+                </a:tc>
+                <a:tc>
+                  <a:txBody>
+                    <a:bodyPr/>
+                    <a:lstStyle/>
+                    <a:p>
+                      <a:r>
+                        <a:rPr lang="sk-SK" dirty="0"/>
+                        <a:t>nedostupné</a:t>
+                      </a:r>
+                    </a:p>
+                  </a:txBody>
+                  <a:tcPr/>
+                </a:tc>
+                <a:tc>
+                  <a:txBody>
+                    <a:bodyPr/>
+                    <a:lstStyle/>
+                    <a:p>
+                      <a:r>
+                        <a:rPr lang="sk-SK" dirty="0"/>
+                        <a:t>1982</a:t>
+                      </a:r>
+                    </a:p>
+                  </a:txBody>
+                  <a:tcPr/>
+                </a:tc>
+                <a:extLst>
+                  <a:ext uri="{0D108BD9-81ED-4DB2-BD59-A6C34878D82A}">
+                    <a16:rowId xmlns:a16="http://schemas.microsoft.com/office/drawing/2014/main" val="1592172554"/>
+                  </a:ext>
+                </a:extLst>
+              </a:tr>
+              <a:tr h="614622">
+                <a:tc>
+                  <a:txBody>
+                    <a:bodyPr/>
+                    <a:lstStyle/>
+                    <a:p>
+                      <a:r>
+                        <a:rPr lang="sk-SK" dirty="0"/>
+                        <a:t>2G</a:t>
+                      </a:r>
+                    </a:p>
+                  </a:txBody>
+                  <a:tcPr/>
+                </a:tc>
+                <a:tc>
+                  <a:txBody>
+                    <a:bodyPr/>
+                    <a:lstStyle/>
+                    <a:p>
+                      <a:r>
+                        <a:rPr lang="sk-SK" dirty="0"/>
+                        <a:t>6,4 </a:t>
+                      </a:r>
+                      <a:r>
+                        <a:rPr lang="sk-SK" dirty="0" err="1"/>
+                        <a:t>kb</a:t>
+                      </a:r>
+                      <a:r>
+                        <a:rPr lang="sk-SK" dirty="0"/>
+                        <a:t>/s</a:t>
+                      </a:r>
+                    </a:p>
+                  </a:txBody>
+                  <a:tcPr/>
+                </a:tc>
+                <a:tc>
+                  <a:txBody>
+                    <a:bodyPr/>
+                    <a:lstStyle/>
+                    <a:p>
+                      <a:r>
+                        <a:rPr lang="sk-SK" dirty="0"/>
+                        <a:t>300-1000 MS</a:t>
+                      </a:r>
+                    </a:p>
+                  </a:txBody>
+                  <a:tcPr/>
+                </a:tc>
+                <a:tc>
+                  <a:txBody>
+                    <a:bodyPr/>
+                    <a:lstStyle/>
+                    <a:p>
+                      <a:r>
+                        <a:rPr lang="sk-SK" dirty="0"/>
+                        <a:t>1992</a:t>
+                      </a:r>
+                    </a:p>
+                  </a:txBody>
+                  <a:tcPr/>
+                </a:tc>
+                <a:extLst>
+                  <a:ext uri="{0D108BD9-81ED-4DB2-BD59-A6C34878D82A}">
+                    <a16:rowId xmlns:a16="http://schemas.microsoft.com/office/drawing/2014/main" val="290259874"/>
+                  </a:ext>
+                </a:extLst>
+              </a:tr>
+              <a:tr h="614622">
+                <a:tc>
+                  <a:txBody>
+                    <a:bodyPr/>
+                    <a:lstStyle/>
+                    <a:p>
+                      <a:r>
+                        <a:rPr lang="sk-SK" dirty="0"/>
+                        <a:t>3G</a:t>
+                      </a:r>
+                    </a:p>
+                  </a:txBody>
+                  <a:tcPr/>
+                </a:tc>
+                <a:tc>
+                  <a:txBody>
+                    <a:bodyPr/>
+                    <a:lstStyle/>
+                    <a:p>
+                      <a:r>
+                        <a:rPr lang="sk-SK" dirty="0"/>
+                        <a:t>2 Mb/s</a:t>
+                      </a:r>
+                    </a:p>
+                  </a:txBody>
+                  <a:tcPr/>
+                </a:tc>
+                <a:tc>
+                  <a:txBody>
+                    <a:bodyPr/>
+                    <a:lstStyle/>
+                    <a:p>
+                      <a:r>
+                        <a:rPr lang="sk-SK" dirty="0"/>
+                        <a:t>100-500 MS</a:t>
+                      </a:r>
+                    </a:p>
+                  </a:txBody>
+                  <a:tcPr/>
+                </a:tc>
+                <a:tc>
+                  <a:txBody>
+                    <a:bodyPr/>
+                    <a:lstStyle/>
+                    <a:p>
+                      <a:r>
+                        <a:rPr lang="sk-SK" dirty="0"/>
+                        <a:t>1998</a:t>
+                      </a:r>
+                    </a:p>
+                  </a:txBody>
+                  <a:tcPr/>
+                </a:tc>
+                <a:extLst>
+                  <a:ext uri="{0D108BD9-81ED-4DB2-BD59-A6C34878D82A}">
+                    <a16:rowId xmlns:a16="http://schemas.microsoft.com/office/drawing/2014/main" val="3532303420"/>
+                  </a:ext>
+                </a:extLst>
+              </a:tr>
+              <a:tr h="614622">
+                <a:tc>
+                  <a:txBody>
+                    <a:bodyPr/>
+                    <a:lstStyle/>
+                    <a:p>
+                      <a:r>
+                        <a:rPr lang="sk-SK" dirty="0"/>
+                        <a:t>4G</a:t>
+                      </a:r>
+                    </a:p>
+                  </a:txBody>
+                  <a:tcPr/>
+                </a:tc>
+                <a:tc>
+                  <a:txBody>
+                    <a:bodyPr/>
+                    <a:lstStyle/>
+                    <a:p>
+                      <a:r>
+                        <a:rPr lang="sk-SK" dirty="0"/>
+                        <a:t>100 Mb/s</a:t>
+                      </a:r>
+                    </a:p>
+                  </a:txBody>
+                  <a:tcPr/>
+                </a:tc>
+                <a:tc>
+                  <a:txBody>
+                    <a:bodyPr/>
+                    <a:lstStyle/>
+                    <a:p>
+                      <a:r>
+                        <a:rPr lang="sk-SK" dirty="0"/>
+                        <a:t>&lt; 100 MS</a:t>
+                      </a:r>
+                    </a:p>
+                  </a:txBody>
+                  <a:tcPr/>
+                </a:tc>
+                <a:tc>
+                  <a:txBody>
+                    <a:bodyPr/>
+                    <a:lstStyle/>
+                    <a:p>
+                      <a:r>
+                        <a:rPr lang="sk-SK" dirty="0"/>
+                        <a:t>2011</a:t>
+                      </a:r>
+                    </a:p>
+                  </a:txBody>
+                  <a:tcPr/>
+                </a:tc>
+                <a:extLst>
+                  <a:ext uri="{0D108BD9-81ED-4DB2-BD59-A6C34878D82A}">
+                    <a16:rowId xmlns:a16="http://schemas.microsoft.com/office/drawing/2014/main" val="1948414480"/>
+                  </a:ext>
+                </a:extLst>
+              </a:tr>
+              <a:tr h="614622">
+                <a:tc>
+                  <a:txBody>
+                    <a:bodyPr/>
+                    <a:lstStyle/>
+                    <a:p>
+                      <a:r>
+                        <a:rPr lang="sk-SK" dirty="0"/>
+                        <a:t>5G</a:t>
+                      </a:r>
+                    </a:p>
+                  </a:txBody>
+                  <a:tcPr/>
+                </a:tc>
+                <a:tc>
+                  <a:txBody>
+                    <a:bodyPr/>
+                    <a:lstStyle/>
+                    <a:p>
+                      <a:r>
+                        <a:rPr lang="sk-SK" dirty="0"/>
+                        <a:t>20 Gb/s</a:t>
+                      </a:r>
+                    </a:p>
+                  </a:txBody>
+                  <a:tcPr/>
+                </a:tc>
+                <a:tc>
+                  <a:txBody>
+                    <a:bodyPr/>
+                    <a:lstStyle/>
+                    <a:p>
+                      <a:r>
+                        <a:rPr lang="sk-SK" dirty="0"/>
+                        <a:t>&lt; 5 MS</a:t>
+                      </a:r>
+                    </a:p>
+                  </a:txBody>
+                  <a:tcPr/>
+                </a:tc>
+                <a:tc>
+                  <a:txBody>
+                    <a:bodyPr/>
+                    <a:lstStyle/>
+                    <a:p>
+                      <a:r>
+                        <a:rPr lang="sk-SK" dirty="0"/>
+                        <a:t>2020</a:t>
+                      </a:r>
+                    </a:p>
+                  </a:txBody>
+                  <a:tcPr/>
+                </a:tc>
+                <a:extLst>
+                  <a:ext uri="{0D108BD9-81ED-4DB2-BD59-A6C34878D82A}">
+                    <a16:rowId xmlns:a16="http://schemas.microsoft.com/office/drawing/2014/main" val="85075475"/>
+                  </a:ext>
+                </a:extLst>
+              </a:tr>
+            </a:tbl>
+          </a:graphicData>
+        </a:graphic>
+      </p:graphicFrame>
+      <p:sp>
+        <p:nvSpPr>
+          <p:cNvPr id="7" name="BlokTextu 6">
+            <a:extLst>
+              <a:ext uri="{FF2B5EF4-FFF2-40B4-BE49-F238E27FC236}">
+                <a16:creationId xmlns:a16="http://schemas.microsoft.com/office/drawing/2014/main" id="{7BA80B44-6D7B-76D6-C9BC-7166B55F2F3B}"/>
+              </a:ext>
+            </a:extLst>
+          </p:cNvPr>
+          <p:cNvSpPr txBox="1"/>
+          <p:nvPr/>
+        </p:nvSpPr>
+        <p:spPr>
+          <a:xfrm>
+            <a:off x="3396343" y="6155844"/>
+            <a:ext cx="4292081" cy="369332"/>
+          </a:xfrm>
+          <a:prstGeom prst="rect">
+            <a:avLst/>
+          </a:prstGeom>
+          <a:noFill/>
+        </p:spPr>
+        <p:txBody>
+          <a:bodyPr wrap="square" rtlCol="0">
+            <a:spAutoFit/>
+          </a:bodyPr>
+          <a:lstStyle/>
+          <a:p>
+            <a:r>
+              <a:rPr lang="sk-SK" dirty="0" err="1"/>
+              <a:t>Kb</a:t>
+            </a:r>
+            <a:r>
+              <a:rPr lang="sk-SK" dirty="0"/>
+              <a:t>/s = </a:t>
+            </a:r>
+            <a:r>
+              <a:rPr lang="sk-SK" dirty="0" err="1"/>
+              <a:t>Kilobit</a:t>
+            </a:r>
+            <a:r>
+              <a:rPr lang="sk-SK" dirty="0"/>
+              <a:t> za sekundu, MS = milisekundy</a:t>
+            </a:r>
+          </a:p>
+        </p:txBody>
+      </p:sp>
+    </p:spTree>
+    <p:extLst>
+      <p:ext uri="{BB962C8B-B14F-4D97-AF65-F5344CB8AC3E}">
+        <p14:creationId xmlns:p14="http://schemas.microsoft.com/office/powerpoint/2010/main" val="3292566298"/>
+      </p:ext>
+    </p:extLst>
+  </p:cSld>
+  <p:clrMapOvr>
+    <a:masterClrMapping/>
+  </p:clrMapOvr>
+</p:sld>
+</file>
+
+<file path=ppt/slides/slide8.xml><?xml version="1.0" encoding="utf-8"?>
+<p:sld xmlns:a="http://schemas.openxmlformats.org/drawingml/2006/main" xmlns:r="http://schemas.openxmlformats.org/officeDocument/2006/relationships" xmlns:p="http://schemas.openxmlformats.org/presentationml/2006/main">
+  <p:cSld>
+    <p:spTree>
+      <p:nvGrpSpPr>
+        <p:cNvPr id="1" name=""/>
+        <p:cNvGrpSpPr/>
+        <p:nvPr/>
+      </p:nvGrpSpPr>
+      <p:grpSpPr>
+        <a:xfrm>
+          <a:off x="0" y="0"/>
+          <a:ext cx="0" cy="0"/>
+          <a:chOff x="0" y="0"/>
+          <a:chExt cx="0" cy="0"/>
+        </a:xfrm>
+      </p:grpSpPr>
+      <p:sp>
+        <p:nvSpPr>
+          <p:cNvPr id="2" name="Nadpis 1">
+            <a:extLst>
+              <a:ext uri="{FF2B5EF4-FFF2-40B4-BE49-F238E27FC236}">
                 <a16:creationId xmlns:a16="http://schemas.microsoft.com/office/drawing/2014/main" id="{21E36743-27E9-A452-1BCA-05C701C02CE6}"/>
               </a:ext>
             </a:extLst>
@@ -11398,7 +12363,7 @@
 </p:sld>
 </file>
 
-<file path=ppt/slides/slide8.xml><?xml version="1.0" encoding="utf-8"?>
+<file path=ppt/slides/slide9.xml><?xml version="1.0" encoding="utf-8"?>
 <p:sld xmlns:a="http://schemas.openxmlformats.org/drawingml/2006/main" xmlns:r="http://schemas.openxmlformats.org/officeDocument/2006/relationships" xmlns:p="http://schemas.openxmlformats.org/presentationml/2006/main">
   <p:cSld>
     <p:spTree>
@@ -11474,412 +12439,6 @@
     <p:extLst>
       <p:ext uri="{BB962C8B-B14F-4D97-AF65-F5344CB8AC3E}">
         <p14:creationId xmlns:p14="http://schemas.microsoft.com/office/powerpoint/2010/main" val="2466860882"/>
-      </p:ext>
-    </p:extLst>
-  </p:cSld>
-  <p:clrMapOvr>
-    <a:masterClrMapping/>
-  </p:clrMapOvr>
-</p:sld>
-</file>
-
-<file path=ppt/slides/slide9.xml><?xml version="1.0" encoding="utf-8"?>
-<p:sld xmlns:a="http://schemas.openxmlformats.org/drawingml/2006/main" xmlns:r="http://schemas.openxmlformats.org/officeDocument/2006/relationships" xmlns:p="http://schemas.openxmlformats.org/presentationml/2006/main">
-  <p:cSld>
-    <p:spTree>
-      <p:nvGrpSpPr>
-        <p:cNvPr id="1" name=""/>
-        <p:cNvGrpSpPr/>
-        <p:nvPr/>
-      </p:nvGrpSpPr>
-      <p:grpSpPr>
-        <a:xfrm>
-          <a:off x="0" y="0"/>
-          <a:ext cx="0" cy="0"/>
-          <a:chOff x="0" y="0"/>
-          <a:chExt cx="0" cy="0"/>
-        </a:xfrm>
-      </p:grpSpPr>
-      <p:pic>
-        <p:nvPicPr>
-          <p:cNvPr id="5122" name="Picture 2" descr="5G-Technologie: Alles, was es zu wissen gilt">
-            <a:extLst>
-              <a:ext uri="{FF2B5EF4-FFF2-40B4-BE49-F238E27FC236}">
-                <a16:creationId xmlns:a16="http://schemas.microsoft.com/office/drawing/2014/main" id="{5CAD5020-3FC7-5F2A-B8C5-FF0A6E49D881}"/>
-              </a:ext>
-            </a:extLst>
-          </p:cNvPr>
-          <p:cNvPicPr>
-            <a:picLocks noGrp="1" noRot="1" noChangeAspect="1" noMove="1" noResize="1" noEditPoints="1" noAdjustHandles="1" noChangeArrowheads="1" noChangeShapeType="1" noCrop="1"/>
-          </p:cNvPicPr>
-          <p:nvPr/>
-        </p:nvPicPr>
-        <p:blipFill rotWithShape="1">
-          <a:blip r:embed="rId2">
-            <a:extLst>
-              <a:ext uri="{28A0092B-C50C-407E-A947-70E740481C1C}">
-                <a14:useLocalDpi xmlns:a14="http://schemas.microsoft.com/office/drawing/2010/main" val="0"/>
-              </a:ext>
-            </a:extLst>
-          </a:blip>
-          <a:srcRect b="15670"/>
-          <a:stretch/>
-        </p:blipFill>
-        <p:spPr bwMode="auto">
-          <a:xfrm>
-            <a:off x="0" y="0"/>
-            <a:ext cx="12192000" cy="6858000"/>
-          </a:xfrm>
-          <a:prstGeom prst="rect">
-            <a:avLst/>
-          </a:prstGeom>
-          <a:noFill/>
-          <a:extLst>
-            <a:ext uri="{909E8E84-426E-40DD-AFC4-6F175D3DCCD1}">
-              <a14:hiddenFill xmlns:a14="http://schemas.microsoft.com/office/drawing/2010/main">
-                <a:solidFill>
-                  <a:srgbClr val="FFFFFF"/>
-                </a:solidFill>
-              </a14:hiddenFill>
-            </a:ext>
-          </a:extLst>
-        </p:spPr>
-      </p:pic>
-      <p:sp>
-        <p:nvSpPr>
-          <p:cNvPr id="4" name="Obdĺžnik 3">
-            <a:extLst>
-              <a:ext uri="{FF2B5EF4-FFF2-40B4-BE49-F238E27FC236}">
-                <a16:creationId xmlns:a16="http://schemas.microsoft.com/office/drawing/2014/main" id="{B3BABD09-FCCC-754E-313E-77CA7247E9F5}"/>
-              </a:ext>
-            </a:extLst>
-          </p:cNvPr>
-          <p:cNvSpPr/>
-          <p:nvPr/>
-        </p:nvSpPr>
-        <p:spPr>
-          <a:xfrm>
-            <a:off x="696000" y="960025"/>
-            <a:ext cx="10800000" cy="1080000"/>
-          </a:xfrm>
-          <a:prstGeom prst="rect">
-            <a:avLst/>
-          </a:prstGeom>
-        </p:spPr>
-        <p:style>
-          <a:lnRef idx="2">
-            <a:schemeClr val="accent1">
-              <a:shade val="15000"/>
-            </a:schemeClr>
-          </a:lnRef>
-          <a:fillRef idx="1">
-            <a:schemeClr val="accent1"/>
-          </a:fillRef>
-          <a:effectRef idx="0">
-            <a:schemeClr val="accent1"/>
-          </a:effectRef>
-          <a:fontRef idx="minor">
-            <a:schemeClr val="lt1"/>
-          </a:fontRef>
-        </p:style>
-        <p:txBody>
-          <a:bodyPr rtlCol="0" anchor="ctr"/>
-          <a:lstStyle/>
-          <a:p>
-            <a:pPr algn="ctr"/>
-            <a:endParaRPr lang="sk-SK" dirty="0"/>
-          </a:p>
-        </p:txBody>
-      </p:sp>
-      <p:sp>
-        <p:nvSpPr>
-          <p:cNvPr id="2" name="Nadpis 1">
-            <a:extLst>
-              <a:ext uri="{FF2B5EF4-FFF2-40B4-BE49-F238E27FC236}">
-                <a16:creationId xmlns:a16="http://schemas.microsoft.com/office/drawing/2014/main" id="{70F113B0-C010-A2A4-9883-B1FDF8A1C7C4}"/>
-              </a:ext>
-            </a:extLst>
-          </p:cNvPr>
-          <p:cNvSpPr>
-            <a:spLocks noGrp="1"/>
-          </p:cNvSpPr>
-          <p:nvPr>
-            <p:ph type="title"/>
-          </p:nvPr>
-        </p:nvSpPr>
-        <p:spPr>
-          <a:xfrm>
-            <a:off x="801664" y="1126050"/>
-            <a:ext cx="10435296" cy="716147"/>
-          </a:xfrm>
-        </p:spPr>
-        <p:txBody>
-          <a:bodyPr>
-            <a:normAutofit/>
-          </a:bodyPr>
-          <a:lstStyle/>
-          <a:p>
-            <a:pPr algn="ctr"/>
-            <a:r>
-              <a:rPr lang="sk-SK" sz="3500" b="1" dirty="0"/>
-              <a:t>Ďakujem za pozornosť!</a:t>
-            </a:r>
-          </a:p>
-        </p:txBody>
-      </p:sp>
-      <p:sp>
-        <p:nvSpPr>
-          <p:cNvPr id="5" name="Obdĺžnik 4">
-            <a:extLst>
-              <a:ext uri="{FF2B5EF4-FFF2-40B4-BE49-F238E27FC236}">
-                <a16:creationId xmlns:a16="http://schemas.microsoft.com/office/drawing/2014/main" id="{F3088E56-0899-B53B-3C9F-493355F4E19D}"/>
-              </a:ext>
-            </a:extLst>
-          </p:cNvPr>
-          <p:cNvSpPr/>
-          <p:nvPr/>
-        </p:nvSpPr>
-        <p:spPr>
-          <a:xfrm>
-            <a:off x="696000" y="792172"/>
-            <a:ext cx="3240000" cy="90000"/>
-          </a:xfrm>
-          <a:prstGeom prst="rect">
-            <a:avLst/>
-          </a:prstGeom>
-        </p:spPr>
-        <p:style>
-          <a:lnRef idx="2">
-            <a:schemeClr val="accent1">
-              <a:shade val="15000"/>
-            </a:schemeClr>
-          </a:lnRef>
-          <a:fillRef idx="1">
-            <a:schemeClr val="accent1"/>
-          </a:fillRef>
-          <a:effectRef idx="0">
-            <a:schemeClr val="accent1"/>
-          </a:effectRef>
-          <a:fontRef idx="minor">
-            <a:schemeClr val="lt1"/>
-          </a:fontRef>
-        </p:style>
-        <p:txBody>
-          <a:bodyPr rtlCol="0" anchor="ctr"/>
-          <a:lstStyle/>
-          <a:p>
-            <a:pPr algn="ctr"/>
-            <a:endParaRPr lang="sk-SK"/>
-          </a:p>
-        </p:txBody>
-      </p:sp>
-      <p:sp>
-        <p:nvSpPr>
-          <p:cNvPr id="6" name="Obdĺžnik 5">
-            <a:extLst>
-              <a:ext uri="{FF2B5EF4-FFF2-40B4-BE49-F238E27FC236}">
-                <a16:creationId xmlns:a16="http://schemas.microsoft.com/office/drawing/2014/main" id="{5F18FA96-1ED6-DE70-9C23-342E375182DF}"/>
-              </a:ext>
-            </a:extLst>
-          </p:cNvPr>
-          <p:cNvSpPr/>
-          <p:nvPr/>
-        </p:nvSpPr>
-        <p:spPr>
-          <a:xfrm>
-            <a:off x="4476000" y="792172"/>
-            <a:ext cx="3240000" cy="90000"/>
-          </a:xfrm>
-          <a:prstGeom prst="rect">
-            <a:avLst/>
-          </a:prstGeom>
-          <a:solidFill>
-            <a:srgbClr val="00B0F0"/>
-          </a:solidFill>
-        </p:spPr>
-        <p:style>
-          <a:lnRef idx="2">
-            <a:schemeClr val="accent1">
-              <a:shade val="15000"/>
-            </a:schemeClr>
-          </a:lnRef>
-          <a:fillRef idx="1">
-            <a:schemeClr val="accent1"/>
-          </a:fillRef>
-          <a:effectRef idx="0">
-            <a:schemeClr val="accent1"/>
-          </a:effectRef>
-          <a:fontRef idx="minor">
-            <a:schemeClr val="lt1"/>
-          </a:fontRef>
-        </p:style>
-        <p:txBody>
-          <a:bodyPr rtlCol="0" anchor="ctr"/>
-          <a:lstStyle/>
-          <a:p>
-            <a:pPr algn="ctr"/>
-            <a:endParaRPr lang="sk-SK"/>
-          </a:p>
-        </p:txBody>
-      </p:sp>
-      <p:sp>
-        <p:nvSpPr>
-          <p:cNvPr id="7" name="Obdĺžnik 6">
-            <a:extLst>
-              <a:ext uri="{FF2B5EF4-FFF2-40B4-BE49-F238E27FC236}">
-                <a16:creationId xmlns:a16="http://schemas.microsoft.com/office/drawing/2014/main" id="{E698FE54-1F4A-D253-7910-14B6572B87A3}"/>
-              </a:ext>
-            </a:extLst>
-          </p:cNvPr>
-          <p:cNvSpPr/>
-          <p:nvPr/>
-        </p:nvSpPr>
-        <p:spPr>
-          <a:xfrm>
-            <a:off x="8256000" y="792172"/>
-            <a:ext cx="3240000" cy="90000"/>
-          </a:xfrm>
-          <a:prstGeom prst="rect">
-            <a:avLst/>
-          </a:prstGeom>
-          <a:solidFill>
-            <a:schemeClr val="accent4">
-              <a:lumMod val="60000"/>
-              <a:lumOff val="40000"/>
-            </a:schemeClr>
-          </a:solidFill>
-        </p:spPr>
-        <p:style>
-          <a:lnRef idx="2">
-            <a:schemeClr val="accent1">
-              <a:shade val="15000"/>
-            </a:schemeClr>
-          </a:lnRef>
-          <a:fillRef idx="1">
-            <a:schemeClr val="accent1"/>
-          </a:fillRef>
-          <a:effectRef idx="0">
-            <a:schemeClr val="accent1"/>
-          </a:effectRef>
-          <a:fontRef idx="minor">
-            <a:schemeClr val="lt1"/>
-          </a:fontRef>
-        </p:style>
-        <p:txBody>
-          <a:bodyPr rtlCol="0" anchor="ctr"/>
-          <a:lstStyle/>
-          <a:p>
-            <a:pPr algn="ctr"/>
-            <a:endParaRPr lang="sk-SK"/>
-          </a:p>
-        </p:txBody>
-      </p:sp>
-      <p:sp>
-        <p:nvSpPr>
-          <p:cNvPr id="8" name="Pravouhlý trojuholník 7">
-            <a:extLst>
-              <a:ext uri="{FF2B5EF4-FFF2-40B4-BE49-F238E27FC236}">
-                <a16:creationId xmlns:a16="http://schemas.microsoft.com/office/drawing/2014/main" id="{10349A59-CBAC-6727-483C-8EE134813A9D}"/>
-              </a:ext>
-            </a:extLst>
-          </p:cNvPr>
-          <p:cNvSpPr/>
-          <p:nvPr/>
-        </p:nvSpPr>
-        <p:spPr>
-          <a:xfrm rot="16200000">
-            <a:off x="10581600" y="1125625"/>
-            <a:ext cx="914400" cy="914400"/>
-          </a:xfrm>
-          <a:prstGeom prst="rtTriangle">
-            <a:avLst/>
-          </a:prstGeom>
-          <a:solidFill>
-            <a:schemeClr val="accent4">
-              <a:lumMod val="75000"/>
-            </a:schemeClr>
-          </a:solidFill>
-        </p:spPr>
-        <p:style>
-          <a:lnRef idx="2">
-            <a:schemeClr val="accent1">
-              <a:shade val="15000"/>
-            </a:schemeClr>
-          </a:lnRef>
-          <a:fillRef idx="1">
-            <a:schemeClr val="accent1"/>
-          </a:fillRef>
-          <a:effectRef idx="0">
-            <a:schemeClr val="accent1"/>
-          </a:effectRef>
-          <a:fontRef idx="minor">
-            <a:schemeClr val="lt1"/>
-          </a:fontRef>
-        </p:style>
-        <p:txBody>
-          <a:bodyPr rtlCol="0" anchor="ctr"/>
-          <a:lstStyle/>
-          <a:p>
-            <a:pPr algn="ctr"/>
-            <a:endParaRPr lang="sk-SK"/>
-          </a:p>
-        </p:txBody>
-      </p:sp>
-      <p:sp>
-        <p:nvSpPr>
-          <p:cNvPr id="9" name="Pravouhlý trojuholník 8">
-            <a:extLst>
-              <a:ext uri="{FF2B5EF4-FFF2-40B4-BE49-F238E27FC236}">
-                <a16:creationId xmlns:a16="http://schemas.microsoft.com/office/drawing/2014/main" id="{13D2CD55-1330-01B7-A762-727524B75F4B}"/>
-              </a:ext>
-            </a:extLst>
-          </p:cNvPr>
-          <p:cNvSpPr/>
-          <p:nvPr/>
-        </p:nvSpPr>
-        <p:spPr>
-          <a:xfrm rot="5400000">
-            <a:off x="715344" y="960025"/>
-            <a:ext cx="914400" cy="914400"/>
-          </a:xfrm>
-          <a:prstGeom prst="rtTriangle">
-            <a:avLst/>
-          </a:prstGeom>
-          <a:solidFill>
-            <a:srgbClr val="6C7781">
-              <a:alpha val="30196"/>
-            </a:srgbClr>
-          </a:solidFill>
-        </p:spPr>
-        <p:style>
-          <a:lnRef idx="2">
-            <a:schemeClr val="accent1">
-              <a:shade val="15000"/>
-            </a:schemeClr>
-          </a:lnRef>
-          <a:fillRef idx="1">
-            <a:schemeClr val="accent1"/>
-          </a:fillRef>
-          <a:effectRef idx="0">
-            <a:schemeClr val="accent1"/>
-          </a:effectRef>
-          <a:fontRef idx="minor">
-            <a:schemeClr val="lt1"/>
-          </a:fontRef>
-        </p:style>
-        <p:txBody>
-          <a:bodyPr rtlCol="0" anchor="ctr"/>
-          <a:lstStyle/>
-          <a:p>
-            <a:pPr algn="ctr"/>
-            <a:endParaRPr lang="sk-SK" dirty="0"/>
-          </a:p>
-        </p:txBody>
-      </p:sp>
-    </p:spTree>
-    <p:extLst>
-      <p:ext uri="{BB962C8B-B14F-4D97-AF65-F5344CB8AC3E}">
-        <p14:creationId xmlns:p14="http://schemas.microsoft.com/office/powerpoint/2010/main" val="1950755834"/>
       </p:ext>
     </p:extLst>
   </p:cSld>

--- a/5g sieť.pptx
+++ b/5g sieť.pptx
@@ -5,10 +5,10 @@
     <p:sldMasterId id="2147483672" r:id="rId1"/>
   </p:sldMasterIdLst>
   <p:notesMasterIdLst>
-    <p:notesMasterId r:id="rId12"/>
+    <p:notesMasterId r:id="rId11"/>
   </p:notesMasterIdLst>
   <p:handoutMasterIdLst>
-    <p:handoutMasterId r:id="rId13"/>
+    <p:handoutMasterId r:id="rId12"/>
   </p:handoutMasterIdLst>
   <p:sldIdLst>
     <p:sldId id="272" r:id="rId2"/>
@@ -16,11 +16,10 @@
     <p:sldId id="263" r:id="rId4"/>
     <p:sldId id="267" r:id="rId5"/>
     <p:sldId id="271" r:id="rId6"/>
-    <p:sldId id="265" r:id="rId7"/>
-    <p:sldId id="275" r:id="rId8"/>
-    <p:sldId id="266" r:id="rId9"/>
-    <p:sldId id="273" r:id="rId10"/>
-    <p:sldId id="274" r:id="rId11"/>
+    <p:sldId id="275" r:id="rId7"/>
+    <p:sldId id="266" r:id="rId8"/>
+    <p:sldId id="273" r:id="rId9"/>
+    <p:sldId id="274" r:id="rId10"/>
   </p:sldIdLst>
   <p:sldSz cx="12192000" cy="6858000"/>
   <p:notesSz cx="6858000" cy="9144000"/>
@@ -9593,412 +9592,6 @@
 </p:sld>
 </file>
 
-<file path=ppt/slides/slide10.xml><?xml version="1.0" encoding="utf-8"?>
-<p:sld xmlns:a="http://schemas.openxmlformats.org/drawingml/2006/main" xmlns:r="http://schemas.openxmlformats.org/officeDocument/2006/relationships" xmlns:p="http://schemas.openxmlformats.org/presentationml/2006/main">
-  <p:cSld>
-    <p:spTree>
-      <p:nvGrpSpPr>
-        <p:cNvPr id="1" name=""/>
-        <p:cNvGrpSpPr/>
-        <p:nvPr/>
-      </p:nvGrpSpPr>
-      <p:grpSpPr>
-        <a:xfrm>
-          <a:off x="0" y="0"/>
-          <a:ext cx="0" cy="0"/>
-          <a:chOff x="0" y="0"/>
-          <a:chExt cx="0" cy="0"/>
-        </a:xfrm>
-      </p:grpSpPr>
-      <p:pic>
-        <p:nvPicPr>
-          <p:cNvPr id="5122" name="Picture 2" descr="5G-Technologie: Alles, was es zu wissen gilt">
-            <a:extLst>
-              <a:ext uri="{FF2B5EF4-FFF2-40B4-BE49-F238E27FC236}">
-                <a16:creationId xmlns:a16="http://schemas.microsoft.com/office/drawing/2014/main" id="{5CAD5020-3FC7-5F2A-B8C5-FF0A6E49D881}"/>
-              </a:ext>
-            </a:extLst>
-          </p:cNvPr>
-          <p:cNvPicPr>
-            <a:picLocks noGrp="1" noRot="1" noChangeAspect="1" noMove="1" noResize="1" noEditPoints="1" noAdjustHandles="1" noChangeArrowheads="1" noChangeShapeType="1" noCrop="1"/>
-          </p:cNvPicPr>
-          <p:nvPr/>
-        </p:nvPicPr>
-        <p:blipFill rotWithShape="1">
-          <a:blip r:embed="rId2">
-            <a:extLst>
-              <a:ext uri="{28A0092B-C50C-407E-A947-70E740481C1C}">
-                <a14:useLocalDpi xmlns:a14="http://schemas.microsoft.com/office/drawing/2010/main" val="0"/>
-              </a:ext>
-            </a:extLst>
-          </a:blip>
-          <a:srcRect b="15670"/>
-          <a:stretch/>
-        </p:blipFill>
-        <p:spPr bwMode="auto">
-          <a:xfrm>
-            <a:off x="0" y="0"/>
-            <a:ext cx="12192000" cy="6858000"/>
-          </a:xfrm>
-          <a:prstGeom prst="rect">
-            <a:avLst/>
-          </a:prstGeom>
-          <a:noFill/>
-          <a:extLst>
-            <a:ext uri="{909E8E84-426E-40DD-AFC4-6F175D3DCCD1}">
-              <a14:hiddenFill xmlns:a14="http://schemas.microsoft.com/office/drawing/2010/main">
-                <a:solidFill>
-                  <a:srgbClr val="FFFFFF"/>
-                </a:solidFill>
-              </a14:hiddenFill>
-            </a:ext>
-          </a:extLst>
-        </p:spPr>
-      </p:pic>
-      <p:sp>
-        <p:nvSpPr>
-          <p:cNvPr id="4" name="Obdĺžnik 3">
-            <a:extLst>
-              <a:ext uri="{FF2B5EF4-FFF2-40B4-BE49-F238E27FC236}">
-                <a16:creationId xmlns:a16="http://schemas.microsoft.com/office/drawing/2014/main" id="{B3BABD09-FCCC-754E-313E-77CA7247E9F5}"/>
-              </a:ext>
-            </a:extLst>
-          </p:cNvPr>
-          <p:cNvSpPr/>
-          <p:nvPr/>
-        </p:nvSpPr>
-        <p:spPr>
-          <a:xfrm>
-            <a:off x="696000" y="960025"/>
-            <a:ext cx="10800000" cy="1080000"/>
-          </a:xfrm>
-          <a:prstGeom prst="rect">
-            <a:avLst/>
-          </a:prstGeom>
-        </p:spPr>
-        <p:style>
-          <a:lnRef idx="2">
-            <a:schemeClr val="accent1">
-              <a:shade val="15000"/>
-            </a:schemeClr>
-          </a:lnRef>
-          <a:fillRef idx="1">
-            <a:schemeClr val="accent1"/>
-          </a:fillRef>
-          <a:effectRef idx="0">
-            <a:schemeClr val="accent1"/>
-          </a:effectRef>
-          <a:fontRef idx="minor">
-            <a:schemeClr val="lt1"/>
-          </a:fontRef>
-        </p:style>
-        <p:txBody>
-          <a:bodyPr rtlCol="0" anchor="ctr"/>
-          <a:lstStyle/>
-          <a:p>
-            <a:pPr algn="ctr"/>
-            <a:endParaRPr lang="sk-SK" dirty="0"/>
-          </a:p>
-        </p:txBody>
-      </p:sp>
-      <p:sp>
-        <p:nvSpPr>
-          <p:cNvPr id="2" name="Nadpis 1">
-            <a:extLst>
-              <a:ext uri="{FF2B5EF4-FFF2-40B4-BE49-F238E27FC236}">
-                <a16:creationId xmlns:a16="http://schemas.microsoft.com/office/drawing/2014/main" id="{70F113B0-C010-A2A4-9883-B1FDF8A1C7C4}"/>
-              </a:ext>
-            </a:extLst>
-          </p:cNvPr>
-          <p:cNvSpPr>
-            <a:spLocks noGrp="1"/>
-          </p:cNvSpPr>
-          <p:nvPr>
-            <p:ph type="title"/>
-          </p:nvPr>
-        </p:nvSpPr>
-        <p:spPr>
-          <a:xfrm>
-            <a:off x="801664" y="1126050"/>
-            <a:ext cx="10435296" cy="716147"/>
-          </a:xfrm>
-        </p:spPr>
-        <p:txBody>
-          <a:bodyPr>
-            <a:normAutofit/>
-          </a:bodyPr>
-          <a:lstStyle/>
-          <a:p>
-            <a:pPr algn="ctr"/>
-            <a:r>
-              <a:rPr lang="sk-SK" sz="3500" b="1" dirty="0"/>
-              <a:t>Ďakujem za pozornosť!</a:t>
-            </a:r>
-          </a:p>
-        </p:txBody>
-      </p:sp>
-      <p:sp>
-        <p:nvSpPr>
-          <p:cNvPr id="5" name="Obdĺžnik 4">
-            <a:extLst>
-              <a:ext uri="{FF2B5EF4-FFF2-40B4-BE49-F238E27FC236}">
-                <a16:creationId xmlns:a16="http://schemas.microsoft.com/office/drawing/2014/main" id="{F3088E56-0899-B53B-3C9F-493355F4E19D}"/>
-              </a:ext>
-            </a:extLst>
-          </p:cNvPr>
-          <p:cNvSpPr/>
-          <p:nvPr/>
-        </p:nvSpPr>
-        <p:spPr>
-          <a:xfrm>
-            <a:off x="696000" y="792172"/>
-            <a:ext cx="3240000" cy="90000"/>
-          </a:xfrm>
-          <a:prstGeom prst="rect">
-            <a:avLst/>
-          </a:prstGeom>
-        </p:spPr>
-        <p:style>
-          <a:lnRef idx="2">
-            <a:schemeClr val="accent1">
-              <a:shade val="15000"/>
-            </a:schemeClr>
-          </a:lnRef>
-          <a:fillRef idx="1">
-            <a:schemeClr val="accent1"/>
-          </a:fillRef>
-          <a:effectRef idx="0">
-            <a:schemeClr val="accent1"/>
-          </a:effectRef>
-          <a:fontRef idx="minor">
-            <a:schemeClr val="lt1"/>
-          </a:fontRef>
-        </p:style>
-        <p:txBody>
-          <a:bodyPr rtlCol="0" anchor="ctr"/>
-          <a:lstStyle/>
-          <a:p>
-            <a:pPr algn="ctr"/>
-            <a:endParaRPr lang="sk-SK"/>
-          </a:p>
-        </p:txBody>
-      </p:sp>
-      <p:sp>
-        <p:nvSpPr>
-          <p:cNvPr id="6" name="Obdĺžnik 5">
-            <a:extLst>
-              <a:ext uri="{FF2B5EF4-FFF2-40B4-BE49-F238E27FC236}">
-                <a16:creationId xmlns:a16="http://schemas.microsoft.com/office/drawing/2014/main" id="{5F18FA96-1ED6-DE70-9C23-342E375182DF}"/>
-              </a:ext>
-            </a:extLst>
-          </p:cNvPr>
-          <p:cNvSpPr/>
-          <p:nvPr/>
-        </p:nvSpPr>
-        <p:spPr>
-          <a:xfrm>
-            <a:off x="4476000" y="792172"/>
-            <a:ext cx="3240000" cy="90000"/>
-          </a:xfrm>
-          <a:prstGeom prst="rect">
-            <a:avLst/>
-          </a:prstGeom>
-          <a:solidFill>
-            <a:srgbClr val="00B0F0"/>
-          </a:solidFill>
-        </p:spPr>
-        <p:style>
-          <a:lnRef idx="2">
-            <a:schemeClr val="accent1">
-              <a:shade val="15000"/>
-            </a:schemeClr>
-          </a:lnRef>
-          <a:fillRef idx="1">
-            <a:schemeClr val="accent1"/>
-          </a:fillRef>
-          <a:effectRef idx="0">
-            <a:schemeClr val="accent1"/>
-          </a:effectRef>
-          <a:fontRef idx="minor">
-            <a:schemeClr val="lt1"/>
-          </a:fontRef>
-        </p:style>
-        <p:txBody>
-          <a:bodyPr rtlCol="0" anchor="ctr"/>
-          <a:lstStyle/>
-          <a:p>
-            <a:pPr algn="ctr"/>
-            <a:endParaRPr lang="sk-SK"/>
-          </a:p>
-        </p:txBody>
-      </p:sp>
-      <p:sp>
-        <p:nvSpPr>
-          <p:cNvPr id="7" name="Obdĺžnik 6">
-            <a:extLst>
-              <a:ext uri="{FF2B5EF4-FFF2-40B4-BE49-F238E27FC236}">
-                <a16:creationId xmlns:a16="http://schemas.microsoft.com/office/drawing/2014/main" id="{E698FE54-1F4A-D253-7910-14B6572B87A3}"/>
-              </a:ext>
-            </a:extLst>
-          </p:cNvPr>
-          <p:cNvSpPr/>
-          <p:nvPr/>
-        </p:nvSpPr>
-        <p:spPr>
-          <a:xfrm>
-            <a:off x="8256000" y="792172"/>
-            <a:ext cx="3240000" cy="90000"/>
-          </a:xfrm>
-          <a:prstGeom prst="rect">
-            <a:avLst/>
-          </a:prstGeom>
-          <a:solidFill>
-            <a:schemeClr val="accent4">
-              <a:lumMod val="60000"/>
-              <a:lumOff val="40000"/>
-            </a:schemeClr>
-          </a:solidFill>
-        </p:spPr>
-        <p:style>
-          <a:lnRef idx="2">
-            <a:schemeClr val="accent1">
-              <a:shade val="15000"/>
-            </a:schemeClr>
-          </a:lnRef>
-          <a:fillRef idx="1">
-            <a:schemeClr val="accent1"/>
-          </a:fillRef>
-          <a:effectRef idx="0">
-            <a:schemeClr val="accent1"/>
-          </a:effectRef>
-          <a:fontRef idx="minor">
-            <a:schemeClr val="lt1"/>
-          </a:fontRef>
-        </p:style>
-        <p:txBody>
-          <a:bodyPr rtlCol="0" anchor="ctr"/>
-          <a:lstStyle/>
-          <a:p>
-            <a:pPr algn="ctr"/>
-            <a:endParaRPr lang="sk-SK"/>
-          </a:p>
-        </p:txBody>
-      </p:sp>
-      <p:sp>
-        <p:nvSpPr>
-          <p:cNvPr id="8" name="Pravouhlý trojuholník 7">
-            <a:extLst>
-              <a:ext uri="{FF2B5EF4-FFF2-40B4-BE49-F238E27FC236}">
-                <a16:creationId xmlns:a16="http://schemas.microsoft.com/office/drawing/2014/main" id="{10349A59-CBAC-6727-483C-8EE134813A9D}"/>
-              </a:ext>
-            </a:extLst>
-          </p:cNvPr>
-          <p:cNvSpPr/>
-          <p:nvPr/>
-        </p:nvSpPr>
-        <p:spPr>
-          <a:xfrm rot="16200000">
-            <a:off x="10581600" y="1125625"/>
-            <a:ext cx="914400" cy="914400"/>
-          </a:xfrm>
-          <a:prstGeom prst="rtTriangle">
-            <a:avLst/>
-          </a:prstGeom>
-          <a:solidFill>
-            <a:schemeClr val="accent4">
-              <a:lumMod val="75000"/>
-            </a:schemeClr>
-          </a:solidFill>
-        </p:spPr>
-        <p:style>
-          <a:lnRef idx="2">
-            <a:schemeClr val="accent1">
-              <a:shade val="15000"/>
-            </a:schemeClr>
-          </a:lnRef>
-          <a:fillRef idx="1">
-            <a:schemeClr val="accent1"/>
-          </a:fillRef>
-          <a:effectRef idx="0">
-            <a:schemeClr val="accent1"/>
-          </a:effectRef>
-          <a:fontRef idx="minor">
-            <a:schemeClr val="lt1"/>
-          </a:fontRef>
-        </p:style>
-        <p:txBody>
-          <a:bodyPr rtlCol="0" anchor="ctr"/>
-          <a:lstStyle/>
-          <a:p>
-            <a:pPr algn="ctr"/>
-            <a:endParaRPr lang="sk-SK"/>
-          </a:p>
-        </p:txBody>
-      </p:sp>
-      <p:sp>
-        <p:nvSpPr>
-          <p:cNvPr id="9" name="Pravouhlý trojuholník 8">
-            <a:extLst>
-              <a:ext uri="{FF2B5EF4-FFF2-40B4-BE49-F238E27FC236}">
-                <a16:creationId xmlns:a16="http://schemas.microsoft.com/office/drawing/2014/main" id="{13D2CD55-1330-01B7-A762-727524B75F4B}"/>
-              </a:ext>
-            </a:extLst>
-          </p:cNvPr>
-          <p:cNvSpPr/>
-          <p:nvPr/>
-        </p:nvSpPr>
-        <p:spPr>
-          <a:xfrm rot="5400000">
-            <a:off x="715344" y="960025"/>
-            <a:ext cx="914400" cy="914400"/>
-          </a:xfrm>
-          <a:prstGeom prst="rtTriangle">
-            <a:avLst/>
-          </a:prstGeom>
-          <a:solidFill>
-            <a:srgbClr val="6C7781">
-              <a:alpha val="30196"/>
-            </a:srgbClr>
-          </a:solidFill>
-        </p:spPr>
-        <p:style>
-          <a:lnRef idx="2">
-            <a:schemeClr val="accent1">
-              <a:shade val="15000"/>
-            </a:schemeClr>
-          </a:lnRef>
-          <a:fillRef idx="1">
-            <a:schemeClr val="accent1"/>
-          </a:fillRef>
-          <a:effectRef idx="0">
-            <a:schemeClr val="accent1"/>
-          </a:effectRef>
-          <a:fontRef idx="minor">
-            <a:schemeClr val="lt1"/>
-          </a:fontRef>
-        </p:style>
-        <p:txBody>
-          <a:bodyPr rtlCol="0" anchor="ctr"/>
-          <a:lstStyle/>
-          <a:p>
-            <a:pPr algn="ctr"/>
-            <a:endParaRPr lang="sk-SK" dirty="0"/>
-          </a:p>
-        </p:txBody>
-      </p:sp>
-    </p:spTree>
-    <p:extLst>
-      <p:ext uri="{BB962C8B-B14F-4D97-AF65-F5344CB8AC3E}">
-        <p14:creationId xmlns:p14="http://schemas.microsoft.com/office/powerpoint/2010/main" val="1950755834"/>
-      </p:ext>
-    </p:extLst>
-  </p:cSld>
-  <p:clrMapOvr>
-    <a:masterClrMapping/>
-  </p:clrMapOvr>
-</p:sld>
-</file>
-
 <file path=ppt/slides/slide2.xml><?xml version="1.0" encoding="utf-8"?>
 <p:sld xmlns:a="http://schemas.openxmlformats.org/drawingml/2006/main" xmlns:r="http://schemas.openxmlformats.org/officeDocument/2006/relationships" xmlns:p="http://schemas.openxmlformats.org/presentationml/2006/main">
   <p:cSld>
@@ -11612,151 +11205,6 @@
           </a:p>
         </p:txBody>
       </p:sp>
-      <p:sp>
-        <p:nvSpPr>
-          <p:cNvPr id="3" name="Zástupný objekt pre obsah 2">
-            <a:extLst>
-              <a:ext uri="{FF2B5EF4-FFF2-40B4-BE49-F238E27FC236}">
-                <a16:creationId xmlns:a16="http://schemas.microsoft.com/office/drawing/2014/main" id="{8AE6853A-12F8-DD3E-3F07-5A0C0FF25D60}"/>
-              </a:ext>
-            </a:extLst>
-          </p:cNvPr>
-          <p:cNvSpPr>
-            <a:spLocks noGrp="1"/>
-          </p:cNvSpPr>
-          <p:nvPr>
-            <p:ph idx="1"/>
-          </p:nvPr>
-        </p:nvSpPr>
-        <p:spPr/>
-        <p:txBody>
-          <a:bodyPr/>
-          <a:lstStyle/>
-          <a:p>
-            <a:r>
-              <a:rPr lang="sk-SK" sz="2500" dirty="0">
-                <a:latin typeface="+mj-lt"/>
-                <a:ea typeface="Calibri" panose="020F0502020204030204" pitchFamily="34" charset="0"/>
-                <a:cs typeface="Times New Roman" panose="02020603050405020304" pitchFamily="18" charset="0"/>
-              </a:rPr>
-              <a:t>R</a:t>
-            </a:r>
-            <a:r>
-              <a:rPr lang="sk-SK" sz="2500" dirty="0">
-                <a:effectLst/>
-                <a:latin typeface="+mj-lt"/>
-                <a:ea typeface="Calibri" panose="020F0502020204030204" pitchFamily="34" charset="0"/>
-                <a:cs typeface="Times New Roman" panose="02020603050405020304" pitchFamily="18" charset="0"/>
-              </a:rPr>
-              <a:t>ýchlosť a kapacita siete</a:t>
-            </a:r>
-          </a:p>
-          <a:p>
-            <a:r>
-              <a:rPr lang="sk-SK" sz="2500" dirty="0">
-                <a:latin typeface="+mj-lt"/>
-                <a:ea typeface="Calibri" panose="020F0502020204030204" pitchFamily="34" charset="0"/>
-                <a:cs typeface="Times New Roman" panose="02020603050405020304" pitchFamily="18" charset="0"/>
-              </a:rPr>
-              <a:t>S</a:t>
-            </a:r>
-            <a:r>
-              <a:rPr lang="sk-SK" sz="2500" dirty="0">
-                <a:effectLst/>
-                <a:latin typeface="+mj-lt"/>
-                <a:ea typeface="Calibri" panose="020F0502020204030204" pitchFamily="34" charset="0"/>
-                <a:cs typeface="Times New Roman" panose="02020603050405020304" pitchFamily="18" charset="0"/>
-              </a:rPr>
-              <a:t>poľahlivosť a rýchleho pripojenia</a:t>
-            </a:r>
-          </a:p>
-          <a:p>
-            <a:r>
-              <a:rPr lang="sk-SK" sz="2500" dirty="0">
-                <a:effectLst/>
-                <a:latin typeface="+mj-lt"/>
-                <a:ea typeface="Calibri" panose="020F0502020204030204" pitchFamily="34" charset="0"/>
-                <a:cs typeface="Times New Roman" panose="02020603050405020304" pitchFamily="18" charset="0"/>
-              </a:rPr>
-              <a:t>Flexibilita</a:t>
-            </a:r>
-            <a:endParaRPr lang="sk-SK" sz="2500" dirty="0">
-              <a:latin typeface="+mj-lt"/>
-              <a:ea typeface="Calibri" panose="020F0502020204030204" pitchFamily="34" charset="0"/>
-              <a:cs typeface="Times New Roman" panose="02020603050405020304" pitchFamily="18" charset="0"/>
-            </a:endParaRPr>
-          </a:p>
-          <a:p>
-            <a:endParaRPr lang="sk-SK" dirty="0"/>
-          </a:p>
-        </p:txBody>
-      </p:sp>
-    </p:spTree>
-    <p:extLst>
-      <p:ext uri="{BB962C8B-B14F-4D97-AF65-F5344CB8AC3E}">
-        <p14:creationId xmlns:p14="http://schemas.microsoft.com/office/powerpoint/2010/main" val="1076047804"/>
-      </p:ext>
-    </p:extLst>
-  </p:cSld>
-  <p:clrMapOvr>
-    <a:masterClrMapping/>
-  </p:clrMapOvr>
-</p:sld>
-</file>
-
-<file path=ppt/slides/slide7.xml><?xml version="1.0" encoding="utf-8"?>
-<p:sld xmlns:a="http://schemas.openxmlformats.org/drawingml/2006/main" xmlns:r="http://schemas.openxmlformats.org/officeDocument/2006/relationships" xmlns:p="http://schemas.openxmlformats.org/presentationml/2006/main">
-  <p:cSld>
-    <p:spTree>
-      <p:nvGrpSpPr>
-        <p:cNvPr id="1" name=""/>
-        <p:cNvGrpSpPr/>
-        <p:nvPr/>
-      </p:nvGrpSpPr>
-      <p:grpSpPr>
-        <a:xfrm>
-          <a:off x="0" y="0"/>
-          <a:ext cx="0" cy="0"/>
-          <a:chOff x="0" y="0"/>
-          <a:chExt cx="0" cy="0"/>
-        </a:xfrm>
-      </p:grpSpPr>
-      <p:sp>
-        <p:nvSpPr>
-          <p:cNvPr id="2" name="Nadpis 1">
-            <a:extLst>
-              <a:ext uri="{FF2B5EF4-FFF2-40B4-BE49-F238E27FC236}">
-                <a16:creationId xmlns:a16="http://schemas.microsoft.com/office/drawing/2014/main" id="{B614B4E7-FB79-E8CC-CD89-2FFEDE58504C}"/>
-              </a:ext>
-            </a:extLst>
-          </p:cNvPr>
-          <p:cNvSpPr>
-            <a:spLocks noGrp="1"/>
-          </p:cNvSpPr>
-          <p:nvPr>
-            <p:ph type="title"/>
-          </p:nvPr>
-        </p:nvSpPr>
-        <p:spPr/>
-        <p:txBody>
-          <a:bodyPr>
-            <a:normAutofit/>
-          </a:bodyPr>
-          <a:lstStyle/>
-          <a:p>
-            <a:r>
-              <a:rPr lang="sk-SK" sz="3500" b="1" dirty="0">
-                <a:effectLst/>
-                <a:latin typeface="Calibri" panose="020F0502020204030204" pitchFamily="34" charset="0"/>
-                <a:ea typeface="Calibri" panose="020F0502020204030204" pitchFamily="34" charset="0"/>
-                <a:cs typeface="Times New Roman" panose="02020603050405020304" pitchFamily="18" charset="0"/>
-              </a:rPr>
-              <a:t>Porovnanie s predošlými generáciami sieti</a:t>
-            </a:r>
-            <a:endParaRPr lang="sk-SK" sz="3500" b="1" dirty="0"/>
-          </a:p>
-        </p:txBody>
-      </p:sp>
       <p:graphicFrame>
         <p:nvGraphicFramePr>
           <p:cNvPr id="6" name="Zástupný objekt pre obsah 5">
@@ -11773,7 +11221,7 @@
             <p:ph idx="1"/>
             <p:extLst>
               <p:ext uri="{D42A27DB-BD31-4B8C-83A1-F6EECF244321}">
-                <p14:modId xmlns:p14="http://schemas.microsoft.com/office/powerpoint/2010/main" val="1829034352"/>
+                <p14:modId xmlns:p14="http://schemas.microsoft.com/office/powerpoint/2010/main" val="921356488"/>
               </p:ext>
             </p:extLst>
           </p:nvPr>
@@ -12252,9 +11700,23 @@
 </p:sld>
 </file>
 
-<file path=ppt/slides/slide8.xml><?xml version="1.0" encoding="utf-8"?>
-<p:sld xmlns:a="http://schemas.openxmlformats.org/drawingml/2006/main" xmlns:r="http://schemas.openxmlformats.org/officeDocument/2006/relationships" xmlns:p="http://schemas.openxmlformats.org/presentationml/2006/main">
+<file path=ppt/slides/slide7.xml><?xml version="1.0" encoding="utf-8"?>
+<p:sld xmlns:a="http://schemas.openxmlformats.org/drawingml/2006/main" xmlns:r="http://schemas.openxmlformats.org/officeDocument/2006/relationships" xmlns:p="http://schemas.openxmlformats.org/presentationml/2006/main" showMasterSp="0">
   <p:cSld>
+    <p:bg>
+      <p:bgPr>
+        <a:blipFill dpi="0" rotWithShape="1">
+          <a:blip r:embed="rId2">
+            <a:lum/>
+          </a:blip>
+          <a:srcRect/>
+          <a:stretch>
+            <a:fillRect/>
+          </a:stretch>
+        </a:blipFill>
+        <a:effectLst/>
+      </p:bgPr>
+    </p:bg>
     <p:spTree>
       <p:nvGrpSpPr>
         <p:cNvPr id="1" name=""/>
@@ -12271,36 +11733,47 @@
       </p:grpSpPr>
       <p:sp>
         <p:nvSpPr>
-          <p:cNvPr id="2" name="Nadpis 1">
+          <p:cNvPr id="7" name="Obdĺžnik: odstrihnuté protiľahlé rohy 6">
             <a:extLst>
               <a:ext uri="{FF2B5EF4-FFF2-40B4-BE49-F238E27FC236}">
-                <a16:creationId xmlns:a16="http://schemas.microsoft.com/office/drawing/2014/main" id="{21E36743-27E9-A452-1BCA-05C701C02CE6}"/>
+                <a16:creationId xmlns:a16="http://schemas.microsoft.com/office/drawing/2014/main" id="{DC5F3937-A874-335E-DC85-701274A4BB16}"/>
               </a:ext>
             </a:extLst>
           </p:cNvPr>
-          <p:cNvSpPr>
-            <a:spLocks noGrp="1"/>
-          </p:cNvSpPr>
-          <p:nvPr>
-            <p:ph type="title"/>
-          </p:nvPr>
+          <p:cNvSpPr/>
+          <p:nvPr/>
         </p:nvSpPr>
-        <p:spPr/>
+        <p:spPr>
+          <a:xfrm>
+            <a:off x="474562" y="1828800"/>
+            <a:ext cx="5301205" cy="4082523"/>
+          </a:xfrm>
+          <a:prstGeom prst="snip2DiagRect">
+            <a:avLst/>
+          </a:prstGeom>
+        </p:spPr>
+        <p:style>
+          <a:lnRef idx="2">
+            <a:schemeClr val="accent1">
+              <a:shade val="15000"/>
+            </a:schemeClr>
+          </a:lnRef>
+          <a:fillRef idx="1">
+            <a:schemeClr val="accent1"/>
+          </a:fillRef>
+          <a:effectRef idx="0">
+            <a:schemeClr val="accent1"/>
+          </a:effectRef>
+          <a:fontRef idx="minor">
+            <a:schemeClr val="lt1"/>
+          </a:fontRef>
+        </p:style>
         <p:txBody>
-          <a:bodyPr>
-            <a:normAutofit/>
-          </a:bodyPr>
+          <a:bodyPr rtlCol="0" anchor="ctr"/>
           <a:lstStyle/>
           <a:p>
-            <a:r>
-              <a:rPr lang="pl-PL" sz="3500" b="1" dirty="0">
-                <a:latin typeface="Calibri" panose="020F0502020204030204" pitchFamily="34" charset="0"/>
-                <a:ea typeface="Calibri" panose="020F0502020204030204" pitchFamily="34" charset="0"/>
-                <a:cs typeface="Times New Roman" panose="02020603050405020304" pitchFamily="18" charset="0"/>
-              </a:rPr>
-              <a:t>bezpečnosť 5G sieti</a:t>
-            </a:r>
-            <a:endParaRPr lang="sk-SK" sz="3500" b="1" dirty="0"/>
+            <a:pPr algn="ctr"/>
+            <a:endParaRPr lang="sk-SK" dirty="0"/>
           </a:p>
         </p:txBody>
       </p:sp>
@@ -12320,32 +11793,63 @@
             <p:ph idx="1"/>
           </p:nvPr>
         </p:nvSpPr>
-        <p:spPr/>
+        <p:spPr>
+          <a:xfrm>
+            <a:off x="581192" y="1828800"/>
+            <a:ext cx="5194575" cy="3678303"/>
+          </a:xfrm>
+        </p:spPr>
         <p:txBody>
           <a:bodyPr/>
           <a:lstStyle/>
           <a:p>
             <a:r>
-              <a:rPr lang="sk-SK" dirty="0"/>
-              <a:t>Viac možností na útok</a:t>
+              <a:rPr lang="sk-SK" dirty="0">
+                <a:solidFill>
+                  <a:schemeClr val="bg1"/>
+                </a:solidFill>
+              </a:rPr>
+              <a:t>Odolnosť</a:t>
             </a:r>
           </a:p>
           <a:p>
             <a:r>
-              <a:rPr lang="sk-SK" dirty="0"/>
-              <a:t>Zraniteľné miesta pri rozdelení (segmentovaní) virtuálnych sieti</a:t>
+              <a:rPr lang="sk-SK" dirty="0">
+                <a:solidFill>
+                  <a:schemeClr val="bg1"/>
+                </a:solidFill>
+              </a:rPr>
+              <a:t>Bezpečnosť komunikácie</a:t>
             </a:r>
           </a:p>
           <a:p>
             <a:r>
-              <a:rPr lang="sk-SK" dirty="0"/>
-              <a:t>Detekcia hrozieb a reakcia</a:t>
+              <a:rPr lang="sk-SK" dirty="0">
+                <a:solidFill>
+                  <a:schemeClr val="bg1"/>
+                </a:solidFill>
+              </a:rPr>
+              <a:t>Správa identít</a:t>
             </a:r>
           </a:p>
           <a:p>
             <a:r>
-              <a:rPr lang="sk-SK" dirty="0"/>
-              <a:t> </a:t>
+              <a:rPr lang="sk-SK" dirty="0">
+                <a:solidFill>
+                  <a:schemeClr val="bg1"/>
+                </a:solidFill>
+              </a:rPr>
+              <a:t>Ochrana osobných údajov</a:t>
+            </a:r>
+          </a:p>
+          <a:p>
+            <a:r>
+              <a:rPr lang="sk-SK" dirty="0">
+                <a:solidFill>
+                  <a:schemeClr val="bg1"/>
+                </a:solidFill>
+              </a:rPr>
+              <a:t>Vzájomné overovanie a šifrovanie kľúčových rozhraní</a:t>
             </a:r>
           </a:p>
         </p:txBody>
@@ -12363,7 +11867,7 @@
 </p:sld>
 </file>
 
-<file path=ppt/slides/slide9.xml><?xml version="1.0" encoding="utf-8"?>
+<file path=ppt/slides/slide8.xml><?xml version="1.0" encoding="utf-8"?>
 <p:sld xmlns:a="http://schemas.openxmlformats.org/drawingml/2006/main" xmlns:r="http://schemas.openxmlformats.org/officeDocument/2006/relationships" xmlns:p="http://schemas.openxmlformats.org/presentationml/2006/main">
   <p:cSld>
     <p:spTree>
@@ -12410,12 +11914,502 @@
           </a:p>
         </p:txBody>
       </p:sp>
+      <p:graphicFrame>
+        <p:nvGraphicFramePr>
+          <p:cNvPr id="6" name="Zástupný objekt pre obsah 5">
+            <a:extLst>
+              <a:ext uri="{FF2B5EF4-FFF2-40B4-BE49-F238E27FC236}">
+                <a16:creationId xmlns:a16="http://schemas.microsoft.com/office/drawing/2014/main" id="{2BC3AD7D-9ED6-7FF5-3B86-2614A8F38E58}"/>
+              </a:ext>
+            </a:extLst>
+          </p:cNvPr>
+          <p:cNvGraphicFramePr>
+            <a:graphicFrameLocks noGrp="1"/>
+          </p:cNvGraphicFramePr>
+          <p:nvPr>
+            <p:ph idx="1"/>
+            <p:extLst>
+              <p:ext uri="{D42A27DB-BD31-4B8C-83A1-F6EECF244321}">
+                <p14:modId xmlns:p14="http://schemas.microsoft.com/office/powerpoint/2010/main" val="1659240953"/>
+              </p:ext>
+            </p:extLst>
+          </p:nvPr>
+        </p:nvGraphicFramePr>
+        <p:xfrm>
+          <a:off x="581192" y="4548850"/>
+          <a:ext cx="11029950" cy="1849120"/>
+        </p:xfrm>
+        <a:graphic>
+          <a:graphicData uri="http://schemas.openxmlformats.org/drawingml/2006/table">
+            <a:tbl>
+              <a:tblPr firstRow="1" bandRow="1">
+                <a:tableStyleId>{5C22544A-7EE6-4342-B048-85BDC9FD1C3A}</a:tableStyleId>
+              </a:tblPr>
+              <a:tblGrid>
+                <a:gridCol w="3676650">
+                  <a:extLst>
+                    <a:ext uri="{9D8B030D-6E8A-4147-A177-3AD203B41FA5}">
+                      <a16:colId xmlns:a16="http://schemas.microsoft.com/office/drawing/2014/main" val="1139179545"/>
+                    </a:ext>
+                  </a:extLst>
+                </a:gridCol>
+                <a:gridCol w="3676650">
+                  <a:extLst>
+                    <a:ext uri="{9D8B030D-6E8A-4147-A177-3AD203B41FA5}">
+                      <a16:colId xmlns:a16="http://schemas.microsoft.com/office/drawing/2014/main" val="1931929856"/>
+                    </a:ext>
+                  </a:extLst>
+                </a:gridCol>
+                <a:gridCol w="3676650">
+                  <a:extLst>
+                    <a:ext uri="{9D8B030D-6E8A-4147-A177-3AD203B41FA5}">
+                      <a16:colId xmlns:a16="http://schemas.microsoft.com/office/drawing/2014/main" val="3591219553"/>
+                    </a:ext>
+                  </a:extLst>
+                </a:gridCol>
+              </a:tblGrid>
+              <a:tr h="179255">
+                <a:tc>
+                  <a:txBody>
+                    <a:bodyPr/>
+                    <a:lstStyle/>
+                    <a:p>
+                      <a:r>
+                        <a:rPr lang="sk-SK" dirty="0"/>
+                        <a:t>Operátor</a:t>
+                      </a:r>
+                    </a:p>
+                  </a:txBody>
+                  <a:tcPr/>
+                </a:tc>
+                <a:tc>
+                  <a:txBody>
+                    <a:bodyPr/>
+                    <a:lstStyle/>
+                    <a:p>
+                      <a:r>
+                        <a:rPr lang="sk-SK" dirty="0"/>
+                        <a:t>Pokrytie</a:t>
+                      </a:r>
+                    </a:p>
+                  </a:txBody>
+                  <a:tcPr/>
+                </a:tc>
+                <a:tc>
+                  <a:txBody>
+                    <a:bodyPr/>
+                    <a:lstStyle/>
+                    <a:p>
+                      <a:r>
+                        <a:rPr lang="sk-SK" dirty="0"/>
+                        <a:t>Počet miest a obcí</a:t>
+                      </a:r>
+                    </a:p>
+                  </a:txBody>
+                  <a:tcPr/>
+                </a:tc>
+                <a:extLst>
+                  <a:ext uri="{0D108BD9-81ED-4DB2-BD59-A6C34878D82A}">
+                    <a16:rowId xmlns:a16="http://schemas.microsoft.com/office/drawing/2014/main" val="44634966"/>
+                  </a:ext>
+                </a:extLst>
+              </a:tr>
+              <a:tr h="370840">
+                <a:tc>
+                  <a:txBody>
+                    <a:bodyPr/>
+                    <a:lstStyle/>
+                    <a:p>
+                      <a:r>
+                        <a:rPr lang="sk-SK" dirty="0"/>
+                        <a:t>4ka</a:t>
+                      </a:r>
+                    </a:p>
+                  </a:txBody>
+                  <a:tcPr/>
+                </a:tc>
+                <a:tc>
+                  <a:txBody>
+                    <a:bodyPr/>
+                    <a:lstStyle/>
+                    <a:p>
+                      <a:r>
+                        <a:rPr lang="sk-SK" dirty="0"/>
+                        <a:t>8%</a:t>
+                      </a:r>
+                    </a:p>
+                  </a:txBody>
+                  <a:tcPr/>
+                </a:tc>
+                <a:tc>
+                  <a:txBody>
+                    <a:bodyPr/>
+                    <a:lstStyle/>
+                    <a:p>
+                      <a:r>
+                        <a:rPr lang="sk-SK" dirty="0"/>
+                        <a:t>5</a:t>
+                      </a:r>
+                    </a:p>
+                  </a:txBody>
+                  <a:tcPr/>
+                </a:tc>
+                <a:extLst>
+                  <a:ext uri="{0D108BD9-81ED-4DB2-BD59-A6C34878D82A}">
+                    <a16:rowId xmlns:a16="http://schemas.microsoft.com/office/drawing/2014/main" val="155627964"/>
+                  </a:ext>
+                </a:extLst>
+              </a:tr>
+              <a:tr h="370840">
+                <a:tc>
+                  <a:txBody>
+                    <a:bodyPr/>
+                    <a:lstStyle/>
+                    <a:p>
+                      <a:r>
+                        <a:rPr lang="sk-SK" dirty="0"/>
+                        <a:t>O2</a:t>
+                      </a:r>
+                    </a:p>
+                  </a:txBody>
+                  <a:tcPr/>
+                </a:tc>
+                <a:tc>
+                  <a:txBody>
+                    <a:bodyPr/>
+                    <a:lstStyle/>
+                    <a:p>
+                      <a:r>
+                        <a:rPr lang="sk-SK" dirty="0"/>
+                        <a:t>69,3%</a:t>
+                      </a:r>
+                    </a:p>
+                  </a:txBody>
+                  <a:tcPr/>
+                </a:tc>
+                <a:tc>
+                  <a:txBody>
+                    <a:bodyPr/>
+                    <a:lstStyle/>
+                    <a:p>
+                      <a:r>
+                        <a:rPr lang="sk-SK" dirty="0"/>
+                        <a:t>972</a:t>
+                      </a:r>
+                    </a:p>
+                  </a:txBody>
+                  <a:tcPr/>
+                </a:tc>
+                <a:extLst>
+                  <a:ext uri="{0D108BD9-81ED-4DB2-BD59-A6C34878D82A}">
+                    <a16:rowId xmlns:a16="http://schemas.microsoft.com/office/drawing/2014/main" val="4264992723"/>
+                  </a:ext>
+                </a:extLst>
+              </a:tr>
+              <a:tr h="370840">
+                <a:tc>
+                  <a:txBody>
+                    <a:bodyPr/>
+                    <a:lstStyle/>
+                    <a:p>
+                      <a:r>
+                        <a:rPr lang="sk-SK" dirty="0"/>
+                        <a:t>Orange</a:t>
+                      </a:r>
+                    </a:p>
+                  </a:txBody>
+                  <a:tcPr/>
+                </a:tc>
+                <a:tc>
+                  <a:txBody>
+                    <a:bodyPr/>
+                    <a:lstStyle/>
+                    <a:p>
+                      <a:r>
+                        <a:rPr lang="sk-SK" dirty="0"/>
+                        <a:t>65,6%</a:t>
+                      </a:r>
+                    </a:p>
+                  </a:txBody>
+                  <a:tcPr/>
+                </a:tc>
+                <a:tc>
+                  <a:txBody>
+                    <a:bodyPr/>
+                    <a:lstStyle/>
+                    <a:p>
+                      <a:r>
+                        <a:rPr lang="sk-SK" dirty="0"/>
+                        <a:t>596</a:t>
+                      </a:r>
+                    </a:p>
+                  </a:txBody>
+                  <a:tcPr/>
+                </a:tc>
+                <a:extLst>
+                  <a:ext uri="{0D108BD9-81ED-4DB2-BD59-A6C34878D82A}">
+                    <a16:rowId xmlns:a16="http://schemas.microsoft.com/office/drawing/2014/main" val="391776368"/>
+                  </a:ext>
+                </a:extLst>
+              </a:tr>
+              <a:tr h="370840">
+                <a:tc>
+                  <a:txBody>
+                    <a:bodyPr/>
+                    <a:lstStyle/>
+                    <a:p>
+                      <a:r>
+                        <a:rPr lang="sk-SK" dirty="0" err="1"/>
+                        <a:t>T-mobile</a:t>
+                      </a:r>
+                      <a:endParaRPr lang="sk-SK" dirty="0"/>
+                    </a:p>
+                  </a:txBody>
+                  <a:tcPr/>
+                </a:tc>
+                <a:tc>
+                  <a:txBody>
+                    <a:bodyPr/>
+                    <a:lstStyle/>
+                    <a:p>
+                      <a:r>
+                        <a:rPr lang="sk-SK" dirty="0"/>
+                        <a:t>52,1%</a:t>
+                      </a:r>
+                    </a:p>
+                  </a:txBody>
+                  <a:tcPr/>
+                </a:tc>
+                <a:tc>
+                  <a:txBody>
+                    <a:bodyPr/>
+                    <a:lstStyle/>
+                    <a:p>
+                      <a:r>
+                        <a:rPr lang="sk-SK" dirty="0"/>
+                        <a:t>547</a:t>
+                      </a:r>
+                    </a:p>
+                  </a:txBody>
+                  <a:tcPr/>
+                </a:tc>
+                <a:extLst>
+                  <a:ext uri="{0D108BD9-81ED-4DB2-BD59-A6C34878D82A}">
+                    <a16:rowId xmlns:a16="http://schemas.microsoft.com/office/drawing/2014/main" val="2161115574"/>
+                  </a:ext>
+                </a:extLst>
+              </a:tr>
+            </a:tbl>
+          </a:graphicData>
+        </a:graphic>
+      </p:graphicFrame>
       <p:sp>
         <p:nvSpPr>
-          <p:cNvPr id="3" name="Zástupný objekt pre obsah 2">
+          <p:cNvPr id="11" name="BlokTextu 10">
             <a:extLst>
               <a:ext uri="{FF2B5EF4-FFF2-40B4-BE49-F238E27FC236}">
-                <a16:creationId xmlns:a16="http://schemas.microsoft.com/office/drawing/2014/main" id="{EE96DE80-AABF-091A-AAC4-9EFDF623870D}"/>
+                <a16:creationId xmlns:a16="http://schemas.microsoft.com/office/drawing/2014/main" id="{3B8EF356-7989-28C0-1757-B84B26F9A4F8}"/>
+              </a:ext>
+            </a:extLst>
+          </p:cNvPr>
+          <p:cNvSpPr txBox="1"/>
+          <p:nvPr/>
+        </p:nvSpPr>
+        <p:spPr>
+          <a:xfrm>
+            <a:off x="581192" y="2312044"/>
+            <a:ext cx="8561843" cy="1200329"/>
+          </a:xfrm>
+          <a:prstGeom prst="rect">
+            <a:avLst/>
+          </a:prstGeom>
+          <a:noFill/>
+        </p:spPr>
+        <p:txBody>
+          <a:bodyPr wrap="square">
+            <a:spAutoFit/>
+          </a:bodyPr>
+          <a:lstStyle/>
+          <a:p>
+            <a:pPr marL="285750" indent="-285750">
+              <a:buClr>
+                <a:schemeClr val="accent1">
+                  <a:lumMod val="60000"/>
+                  <a:lumOff val="40000"/>
+                </a:schemeClr>
+              </a:buClr>
+              <a:buFont typeface="Wingdings" panose="05000000000000000000" pitchFamily="2" charset="2"/>
+              <a:buChar char="§"/>
+            </a:pPr>
+            <a:r>
+              <a:rPr lang="sk-SK" dirty="0"/>
+              <a:t>Veľký potenciál rozmachu</a:t>
+            </a:r>
+          </a:p>
+          <a:p>
+            <a:pPr marL="285750" indent="-285750">
+              <a:buClr>
+                <a:schemeClr val="accent1">
+                  <a:lumMod val="60000"/>
+                  <a:lumOff val="40000"/>
+                </a:schemeClr>
+              </a:buClr>
+              <a:buFont typeface="Wingdings" panose="05000000000000000000" pitchFamily="2" charset="2"/>
+              <a:buChar char="§"/>
+            </a:pPr>
+            <a:r>
+              <a:rPr lang="sk-SK" dirty="0"/>
+              <a:t>Záujem operátorov o najväčšie pokrytie</a:t>
+            </a:r>
+          </a:p>
+          <a:p>
+            <a:pPr marL="285750" indent="-285750">
+              <a:buClr>
+                <a:schemeClr val="accent1">
+                  <a:lumMod val="60000"/>
+                  <a:lumOff val="40000"/>
+                </a:schemeClr>
+              </a:buClr>
+              <a:buFont typeface="Wingdings" panose="05000000000000000000" pitchFamily="2" charset="2"/>
+              <a:buChar char="§"/>
+            </a:pPr>
+            <a:r>
+              <a:rPr lang="sk-SK" dirty="0"/>
+              <a:t>Rapídny nárast počtu 5G vysielačov</a:t>
+            </a:r>
+          </a:p>
+          <a:p>
+            <a:endParaRPr lang="sk-SK" dirty="0"/>
+          </a:p>
+        </p:txBody>
+      </p:sp>
+    </p:spTree>
+    <p:extLst>
+      <p:ext uri="{BB962C8B-B14F-4D97-AF65-F5344CB8AC3E}">
+        <p14:creationId xmlns:p14="http://schemas.microsoft.com/office/powerpoint/2010/main" val="2466860882"/>
+      </p:ext>
+    </p:extLst>
+  </p:cSld>
+  <p:clrMapOvr>
+    <a:masterClrMapping/>
+  </p:clrMapOvr>
+</p:sld>
+</file>
+
+<file path=ppt/slides/slide9.xml><?xml version="1.0" encoding="utf-8"?>
+<p:sld xmlns:a="http://schemas.openxmlformats.org/drawingml/2006/main" xmlns:r="http://schemas.openxmlformats.org/officeDocument/2006/relationships" xmlns:p="http://schemas.openxmlformats.org/presentationml/2006/main">
+  <p:cSld>
+    <p:spTree>
+      <p:nvGrpSpPr>
+        <p:cNvPr id="1" name=""/>
+        <p:cNvGrpSpPr/>
+        <p:nvPr/>
+      </p:nvGrpSpPr>
+      <p:grpSpPr>
+        <a:xfrm>
+          <a:off x="0" y="0"/>
+          <a:ext cx="0" cy="0"/>
+          <a:chOff x="0" y="0"/>
+          <a:chExt cx="0" cy="0"/>
+        </a:xfrm>
+      </p:grpSpPr>
+      <p:pic>
+        <p:nvPicPr>
+          <p:cNvPr id="5122" name="Picture 2" descr="5G-Technologie: Alles, was es zu wissen gilt">
+            <a:extLst>
+              <a:ext uri="{FF2B5EF4-FFF2-40B4-BE49-F238E27FC236}">
+                <a16:creationId xmlns:a16="http://schemas.microsoft.com/office/drawing/2014/main" id="{5CAD5020-3FC7-5F2A-B8C5-FF0A6E49D881}"/>
+              </a:ext>
+            </a:extLst>
+          </p:cNvPr>
+          <p:cNvPicPr>
+            <a:picLocks noGrp="1" noRot="1" noChangeAspect="1" noMove="1" noResize="1" noEditPoints="1" noAdjustHandles="1" noChangeArrowheads="1" noChangeShapeType="1" noCrop="1"/>
+          </p:cNvPicPr>
+          <p:nvPr/>
+        </p:nvPicPr>
+        <p:blipFill rotWithShape="1">
+          <a:blip r:embed="rId2">
+            <a:extLst>
+              <a:ext uri="{28A0092B-C50C-407E-A947-70E740481C1C}">
+                <a14:useLocalDpi xmlns:a14="http://schemas.microsoft.com/office/drawing/2010/main" val="0"/>
+              </a:ext>
+            </a:extLst>
+          </a:blip>
+          <a:srcRect b="15670"/>
+          <a:stretch/>
+        </p:blipFill>
+        <p:spPr bwMode="auto">
+          <a:xfrm>
+            <a:off x="0" y="0"/>
+            <a:ext cx="12192000" cy="6858000"/>
+          </a:xfrm>
+          <a:prstGeom prst="rect">
+            <a:avLst/>
+          </a:prstGeom>
+          <a:noFill/>
+          <a:extLst>
+            <a:ext uri="{909E8E84-426E-40DD-AFC4-6F175D3DCCD1}">
+              <a14:hiddenFill xmlns:a14="http://schemas.microsoft.com/office/drawing/2010/main">
+                <a:solidFill>
+                  <a:srgbClr val="FFFFFF"/>
+                </a:solidFill>
+              </a14:hiddenFill>
+            </a:ext>
+          </a:extLst>
+        </p:spPr>
+      </p:pic>
+      <p:sp>
+        <p:nvSpPr>
+          <p:cNvPr id="4" name="Obdĺžnik 3">
+            <a:extLst>
+              <a:ext uri="{FF2B5EF4-FFF2-40B4-BE49-F238E27FC236}">
+                <a16:creationId xmlns:a16="http://schemas.microsoft.com/office/drawing/2014/main" id="{B3BABD09-FCCC-754E-313E-77CA7247E9F5}"/>
+              </a:ext>
+            </a:extLst>
+          </p:cNvPr>
+          <p:cNvSpPr/>
+          <p:nvPr/>
+        </p:nvSpPr>
+        <p:spPr>
+          <a:xfrm>
+            <a:off x="696000" y="960025"/>
+            <a:ext cx="10800000" cy="1080000"/>
+          </a:xfrm>
+          <a:prstGeom prst="rect">
+            <a:avLst/>
+          </a:prstGeom>
+        </p:spPr>
+        <p:style>
+          <a:lnRef idx="2">
+            <a:schemeClr val="accent1">
+              <a:shade val="15000"/>
+            </a:schemeClr>
+          </a:lnRef>
+          <a:fillRef idx="1">
+            <a:schemeClr val="accent1"/>
+          </a:fillRef>
+          <a:effectRef idx="0">
+            <a:schemeClr val="accent1"/>
+          </a:effectRef>
+          <a:fontRef idx="minor">
+            <a:schemeClr val="lt1"/>
+          </a:fontRef>
+        </p:style>
+        <p:txBody>
+          <a:bodyPr rtlCol="0" anchor="ctr"/>
+          <a:lstStyle/>
+          <a:p>
+            <a:pPr algn="ctr"/>
+            <a:endParaRPr lang="sk-SK" dirty="0"/>
+          </a:p>
+        </p:txBody>
+      </p:sp>
+      <p:sp>
+        <p:nvSpPr>
+          <p:cNvPr id="2" name="Nadpis 1">
+            <a:extLst>
+              <a:ext uri="{FF2B5EF4-FFF2-40B4-BE49-F238E27FC236}">
+                <a16:creationId xmlns:a16="http://schemas.microsoft.com/office/drawing/2014/main" id="{70F113B0-C010-A2A4-9883-B1FDF8A1C7C4}"/>
               </a:ext>
             </a:extLst>
           </p:cNvPr>
@@ -12423,22 +12417,282 @@
             <a:spLocks noGrp="1"/>
           </p:cNvSpPr>
           <p:nvPr>
-            <p:ph idx="1"/>
+            <p:ph type="title"/>
           </p:nvPr>
         </p:nvSpPr>
-        <p:spPr/>
+        <p:spPr>
+          <a:xfrm>
+            <a:off x="801664" y="1126050"/>
+            <a:ext cx="10435296" cy="716147"/>
+          </a:xfrm>
+        </p:spPr>
         <p:txBody>
-          <a:bodyPr/>
+          <a:bodyPr>
+            <a:normAutofit/>
+          </a:bodyPr>
           <a:lstStyle/>
           <a:p>
+            <a:pPr algn="ctr"/>
+            <a:r>
+              <a:rPr lang="sk-SK" sz="3500" b="1" dirty="0"/>
+              <a:t>Ďakujem za pozornosť!</a:t>
+            </a:r>
+          </a:p>
+        </p:txBody>
+      </p:sp>
+      <p:sp>
+        <p:nvSpPr>
+          <p:cNvPr id="5" name="Obdĺžnik 4">
+            <a:extLst>
+              <a:ext uri="{FF2B5EF4-FFF2-40B4-BE49-F238E27FC236}">
+                <a16:creationId xmlns:a16="http://schemas.microsoft.com/office/drawing/2014/main" id="{F3088E56-0899-B53B-3C9F-493355F4E19D}"/>
+              </a:ext>
+            </a:extLst>
+          </p:cNvPr>
+          <p:cNvSpPr/>
+          <p:nvPr/>
+        </p:nvSpPr>
+        <p:spPr>
+          <a:xfrm>
+            <a:off x="696000" y="792172"/>
+            <a:ext cx="3240000" cy="90000"/>
+          </a:xfrm>
+          <a:prstGeom prst="rect">
+            <a:avLst/>
+          </a:prstGeom>
+        </p:spPr>
+        <p:style>
+          <a:lnRef idx="2">
+            <a:schemeClr val="accent1">
+              <a:shade val="15000"/>
+            </a:schemeClr>
+          </a:lnRef>
+          <a:fillRef idx="1">
+            <a:schemeClr val="accent1"/>
+          </a:fillRef>
+          <a:effectRef idx="0">
+            <a:schemeClr val="accent1"/>
+          </a:effectRef>
+          <a:fontRef idx="minor">
+            <a:schemeClr val="lt1"/>
+          </a:fontRef>
+        </p:style>
+        <p:txBody>
+          <a:bodyPr rtlCol="0" anchor="ctr"/>
+          <a:lstStyle/>
+          <a:p>
+            <a:pPr algn="ctr"/>
             <a:endParaRPr lang="sk-SK"/>
+          </a:p>
+        </p:txBody>
+      </p:sp>
+      <p:sp>
+        <p:nvSpPr>
+          <p:cNvPr id="6" name="Obdĺžnik 5">
+            <a:extLst>
+              <a:ext uri="{FF2B5EF4-FFF2-40B4-BE49-F238E27FC236}">
+                <a16:creationId xmlns:a16="http://schemas.microsoft.com/office/drawing/2014/main" id="{5F18FA96-1ED6-DE70-9C23-342E375182DF}"/>
+              </a:ext>
+            </a:extLst>
+          </p:cNvPr>
+          <p:cNvSpPr/>
+          <p:nvPr/>
+        </p:nvSpPr>
+        <p:spPr>
+          <a:xfrm>
+            <a:off x="4476000" y="792172"/>
+            <a:ext cx="3240000" cy="90000"/>
+          </a:xfrm>
+          <a:prstGeom prst="rect">
+            <a:avLst/>
+          </a:prstGeom>
+          <a:solidFill>
+            <a:srgbClr val="00B0F0"/>
+          </a:solidFill>
+        </p:spPr>
+        <p:style>
+          <a:lnRef idx="2">
+            <a:schemeClr val="accent1">
+              <a:shade val="15000"/>
+            </a:schemeClr>
+          </a:lnRef>
+          <a:fillRef idx="1">
+            <a:schemeClr val="accent1"/>
+          </a:fillRef>
+          <a:effectRef idx="0">
+            <a:schemeClr val="accent1"/>
+          </a:effectRef>
+          <a:fontRef idx="minor">
+            <a:schemeClr val="lt1"/>
+          </a:fontRef>
+        </p:style>
+        <p:txBody>
+          <a:bodyPr rtlCol="0" anchor="ctr"/>
+          <a:lstStyle/>
+          <a:p>
+            <a:pPr algn="ctr"/>
+            <a:endParaRPr lang="sk-SK"/>
+          </a:p>
+        </p:txBody>
+      </p:sp>
+      <p:sp>
+        <p:nvSpPr>
+          <p:cNvPr id="7" name="Obdĺžnik 6">
+            <a:extLst>
+              <a:ext uri="{FF2B5EF4-FFF2-40B4-BE49-F238E27FC236}">
+                <a16:creationId xmlns:a16="http://schemas.microsoft.com/office/drawing/2014/main" id="{E698FE54-1F4A-D253-7910-14B6572B87A3}"/>
+              </a:ext>
+            </a:extLst>
+          </p:cNvPr>
+          <p:cNvSpPr/>
+          <p:nvPr/>
+        </p:nvSpPr>
+        <p:spPr>
+          <a:xfrm>
+            <a:off x="8256000" y="792172"/>
+            <a:ext cx="3240000" cy="90000"/>
+          </a:xfrm>
+          <a:prstGeom prst="rect">
+            <a:avLst/>
+          </a:prstGeom>
+          <a:solidFill>
+            <a:schemeClr val="accent4">
+              <a:lumMod val="60000"/>
+              <a:lumOff val="40000"/>
+            </a:schemeClr>
+          </a:solidFill>
+        </p:spPr>
+        <p:style>
+          <a:lnRef idx="2">
+            <a:schemeClr val="accent1">
+              <a:shade val="15000"/>
+            </a:schemeClr>
+          </a:lnRef>
+          <a:fillRef idx="1">
+            <a:schemeClr val="accent1"/>
+          </a:fillRef>
+          <a:effectRef idx="0">
+            <a:schemeClr val="accent1"/>
+          </a:effectRef>
+          <a:fontRef idx="minor">
+            <a:schemeClr val="lt1"/>
+          </a:fontRef>
+        </p:style>
+        <p:txBody>
+          <a:bodyPr rtlCol="0" anchor="ctr"/>
+          <a:lstStyle/>
+          <a:p>
+            <a:pPr algn="ctr"/>
+            <a:endParaRPr lang="sk-SK"/>
+          </a:p>
+        </p:txBody>
+      </p:sp>
+      <p:sp>
+        <p:nvSpPr>
+          <p:cNvPr id="8" name="Pravouhlý trojuholník 7">
+            <a:extLst>
+              <a:ext uri="{FF2B5EF4-FFF2-40B4-BE49-F238E27FC236}">
+                <a16:creationId xmlns:a16="http://schemas.microsoft.com/office/drawing/2014/main" id="{10349A59-CBAC-6727-483C-8EE134813A9D}"/>
+              </a:ext>
+            </a:extLst>
+          </p:cNvPr>
+          <p:cNvSpPr/>
+          <p:nvPr/>
+        </p:nvSpPr>
+        <p:spPr>
+          <a:xfrm rot="16200000">
+            <a:off x="10581600" y="1125625"/>
+            <a:ext cx="914400" cy="914400"/>
+          </a:xfrm>
+          <a:prstGeom prst="rtTriangle">
+            <a:avLst/>
+          </a:prstGeom>
+          <a:solidFill>
+            <a:schemeClr val="accent4">
+              <a:lumMod val="75000"/>
+            </a:schemeClr>
+          </a:solidFill>
+        </p:spPr>
+        <p:style>
+          <a:lnRef idx="2">
+            <a:schemeClr val="accent1">
+              <a:shade val="15000"/>
+            </a:schemeClr>
+          </a:lnRef>
+          <a:fillRef idx="1">
+            <a:schemeClr val="accent1"/>
+          </a:fillRef>
+          <a:effectRef idx="0">
+            <a:schemeClr val="accent1"/>
+          </a:effectRef>
+          <a:fontRef idx="minor">
+            <a:schemeClr val="lt1"/>
+          </a:fontRef>
+        </p:style>
+        <p:txBody>
+          <a:bodyPr rtlCol="0" anchor="ctr"/>
+          <a:lstStyle/>
+          <a:p>
+            <a:pPr algn="ctr"/>
+            <a:endParaRPr lang="sk-SK"/>
+          </a:p>
+        </p:txBody>
+      </p:sp>
+      <p:sp>
+        <p:nvSpPr>
+          <p:cNvPr id="9" name="Pravouhlý trojuholník 8">
+            <a:extLst>
+              <a:ext uri="{FF2B5EF4-FFF2-40B4-BE49-F238E27FC236}">
+                <a16:creationId xmlns:a16="http://schemas.microsoft.com/office/drawing/2014/main" id="{13D2CD55-1330-01B7-A762-727524B75F4B}"/>
+              </a:ext>
+            </a:extLst>
+          </p:cNvPr>
+          <p:cNvSpPr/>
+          <p:nvPr/>
+        </p:nvSpPr>
+        <p:spPr>
+          <a:xfrm rot="5400000">
+            <a:off x="715344" y="960025"/>
+            <a:ext cx="914400" cy="914400"/>
+          </a:xfrm>
+          <a:prstGeom prst="rtTriangle">
+            <a:avLst/>
+          </a:prstGeom>
+          <a:solidFill>
+            <a:srgbClr val="6C7781">
+              <a:alpha val="30196"/>
+            </a:srgbClr>
+          </a:solidFill>
+        </p:spPr>
+        <p:style>
+          <a:lnRef idx="2">
+            <a:schemeClr val="accent1">
+              <a:shade val="15000"/>
+            </a:schemeClr>
+          </a:lnRef>
+          <a:fillRef idx="1">
+            <a:schemeClr val="accent1"/>
+          </a:fillRef>
+          <a:effectRef idx="0">
+            <a:schemeClr val="accent1"/>
+          </a:effectRef>
+          <a:fontRef idx="minor">
+            <a:schemeClr val="lt1"/>
+          </a:fontRef>
+        </p:style>
+        <p:txBody>
+          <a:bodyPr rtlCol="0" anchor="ctr"/>
+          <a:lstStyle/>
+          <a:p>
+            <a:pPr algn="ctr"/>
+            <a:endParaRPr lang="sk-SK" dirty="0"/>
           </a:p>
         </p:txBody>
       </p:sp>
     </p:spTree>
     <p:extLst>
       <p:ext uri="{BB962C8B-B14F-4D97-AF65-F5344CB8AC3E}">
-        <p14:creationId xmlns:p14="http://schemas.microsoft.com/office/powerpoint/2010/main" val="2466860882"/>
+        <p14:creationId xmlns:p14="http://schemas.microsoft.com/office/powerpoint/2010/main" val="1950755834"/>
       </p:ext>
     </p:extLst>
   </p:cSld>

--- a/5g sieť.pptx
+++ b/5g sieť.pptx
@@ -4659,7 +4659,7 @@
             <a:pPr rtl="0"/>
             <a:fld id="{C7AD560E-C07C-40A0-A242-6F10A89AC605}" type="datetime1">
               <a:rPr lang="sk-SK" smtClean="0"/>
-              <a:t>12. 4. 2024</a:t>
+              <a:t>15. 4. 2024</a:t>
             </a:fld>
             <a:endParaRPr lang="sk-SK"/>
           </a:p>
@@ -4841,7 +4841,7 @@
             <a:pPr rtl="0"/>
             <a:fld id="{0CACAEC0-6B8D-42DF-B0AF-02EC948110C9}" type="datetime1">
               <a:rPr lang="sk-SK" noProof="0" smtClean="0"/>
-              <a:t>12. 4. 2024</a:t>
+              <a:t>15. 4. 2024</a:t>
             </a:fld>
             <a:endParaRPr lang="sk-SK" noProof="0"/>
           </a:p>
@@ -5554,7 +5554,7 @@
             <a:pPr rtl="0"/>
             <a:fld id="{BE500869-6189-4A21-B595-9D540C586B36}" type="datetime1">
               <a:rPr lang="sk-SK" noProof="0" smtClean="0"/>
-              <a:t>12. 4. 2024</a:t>
+              <a:t>15. 4. 2024</a:t>
             </a:fld>
             <a:endParaRPr lang="sk-SK" noProof="0"/>
           </a:p>
@@ -5819,7 +5819,7 @@
             <a:pPr rtl="0"/>
             <a:fld id="{B750B709-E48D-4D68-844C-C6F87E0B6D5D}" type="datetime1">
               <a:rPr lang="sk-SK" noProof="0" smtClean="0"/>
-              <a:t>12. 4. 2024</a:t>
+              <a:t>15. 4. 2024</a:t>
             </a:fld>
             <a:endParaRPr lang="sk-SK" noProof="0"/>
           </a:p>
@@ -6057,7 +6057,7 @@
             <a:pPr rtl="0"/>
             <a:fld id="{DC2F3DE2-4534-4205-996F-18104DBF99F1}" type="datetime1">
               <a:rPr lang="sk-SK" noProof="0" smtClean="0"/>
-              <a:t>12. 4. 2024</a:t>
+              <a:t>15. 4. 2024</a:t>
             </a:fld>
             <a:endParaRPr lang="sk-SK" noProof="0"/>
           </a:p>
@@ -6300,7 +6300,7 @@
             <a:pPr rtl="0"/>
             <a:fld id="{0F09D144-C732-4EAA-B545-B5CA7F29EB15}" type="datetime1">
               <a:rPr lang="sk-SK" noProof="0" smtClean="0"/>
-              <a:t>12. 4. 2024</a:t>
+              <a:t>15. 4. 2024</a:t>
             </a:fld>
             <a:endParaRPr lang="sk-SK" noProof="0"/>
           </a:p>
@@ -6611,7 +6611,7 @@
             <a:pPr rtl="0"/>
             <a:fld id="{32EC7F4A-8344-4F72-B3E8-8A0AA48052FF}" type="datetime1">
               <a:rPr lang="sk-SK" noProof="0" smtClean="0"/>
-              <a:t>12. 4. 2024</a:t>
+              <a:t>15. 4. 2024</a:t>
             </a:fld>
             <a:endParaRPr lang="sk-SK" noProof="0"/>
           </a:p>
@@ -6915,7 +6915,7 @@
             <a:pPr rtl="0"/>
             <a:fld id="{B3C09C3B-CEC0-4981-AB76-D5C5E6B33731}" type="datetime1">
               <a:rPr lang="sk-SK" noProof="0" smtClean="0"/>
-              <a:t>12. 4. 2024</a:t>
+              <a:t>15. 4. 2024</a:t>
             </a:fld>
             <a:endParaRPr lang="sk-SK" noProof="0"/>
           </a:p>
@@ -7339,7 +7339,7 @@
             <a:pPr rtl="0"/>
             <a:fld id="{7CCC94C2-8A37-48B3-9074-22AD30491673}" type="datetime1">
               <a:rPr lang="sk-SK" noProof="0" smtClean="0"/>
-              <a:t>12. 4. 2024</a:t>
+              <a:t>15. 4. 2024</a:t>
             </a:fld>
             <a:endParaRPr lang="sk-SK" noProof="0"/>
           </a:p>
@@ -7438,7 +7438,7 @@
             <a:pPr rtl="0"/>
             <a:fld id="{36060C74-660A-48EB-9029-10AAD351CF03}" type="datetime1">
               <a:rPr lang="sk-SK" noProof="0" smtClean="0"/>
-              <a:t>12. 4. 2024</a:t>
+              <a:t>15. 4. 2024</a:t>
             </a:fld>
             <a:endParaRPr lang="sk-SK" noProof="0"/>
           </a:p>
@@ -7604,7 +7604,7 @@
             <a:pPr rtl="0"/>
             <a:fld id="{D673AE67-2D91-4A58-BE4F-29D1E4B3635D}" type="datetime1">
               <a:rPr lang="sk-SK" noProof="0" smtClean="0"/>
-              <a:t>12. 4. 2024</a:t>
+              <a:t>15. 4. 2024</a:t>
             </a:fld>
             <a:endParaRPr lang="sk-SK" noProof="0"/>
           </a:p>
@@ -7985,7 +7985,7 @@
             <a:pPr rtl="0"/>
             <a:fld id="{7F279F8B-B18C-48F0-99F6-420F482F7E00}" type="datetime1">
               <a:rPr lang="sk-SK" noProof="0" smtClean="0"/>
-              <a:t>12. 4. 2024</a:t>
+              <a:t>15. 4. 2024</a:t>
             </a:fld>
             <a:endParaRPr lang="sk-SK" noProof="0"/>
           </a:p>
@@ -8278,7 +8278,7 @@
             <a:pPr rtl="0"/>
             <a:fld id="{6CA1EA30-34FB-47DA-A025-B1E4F8293332}" type="datetime1">
               <a:rPr lang="sk-SK" noProof="0" smtClean="0"/>
-              <a:t>12. 4. 2024</a:t>
+              <a:t>15. 4. 2024</a:t>
             </a:fld>
             <a:endParaRPr lang="sk-SK" noProof="0"/>
           </a:p>
@@ -8492,7 +8492,7 @@
             <a:pPr rtl="0"/>
             <a:fld id="{963F36F4-73E0-4338-ACE3-E79047B5E8D6}" type="datetime1">
               <a:rPr lang="sk-SK" noProof="0" smtClean="0"/>
-              <a:t>12. 4. 2024</a:t>
+              <a:t>15. 4. 2024</a:t>
             </a:fld>
             <a:endParaRPr lang="sk-SK" noProof="0"/>
           </a:p>

--- a/5g sieť.pptx
+++ b/5g sieť.pptx
@@ -4659,7 +4659,7 @@
             <a:pPr rtl="0"/>
             <a:fld id="{C7AD560E-C07C-40A0-A242-6F10A89AC605}" type="datetime1">
               <a:rPr lang="sk-SK" smtClean="0"/>
-              <a:t>15. 4. 2024</a:t>
+              <a:t>28. 4. 2024</a:t>
             </a:fld>
             <a:endParaRPr lang="sk-SK"/>
           </a:p>
@@ -4841,7 +4841,7 @@
             <a:pPr rtl="0"/>
             <a:fld id="{0CACAEC0-6B8D-42DF-B0AF-02EC948110C9}" type="datetime1">
               <a:rPr lang="sk-SK" noProof="0" smtClean="0"/>
-              <a:t>15. 4. 2024</a:t>
+              <a:t>28. 4. 2024</a:t>
             </a:fld>
             <a:endParaRPr lang="sk-SK" noProof="0"/>
           </a:p>
@@ -5554,7 +5554,7 @@
             <a:pPr rtl="0"/>
             <a:fld id="{BE500869-6189-4A21-B595-9D540C586B36}" type="datetime1">
               <a:rPr lang="sk-SK" noProof="0" smtClean="0"/>
-              <a:t>15. 4. 2024</a:t>
+              <a:t>28. 4. 2024</a:t>
             </a:fld>
             <a:endParaRPr lang="sk-SK" noProof="0"/>
           </a:p>
@@ -5819,7 +5819,7 @@
             <a:pPr rtl="0"/>
             <a:fld id="{B750B709-E48D-4D68-844C-C6F87E0B6D5D}" type="datetime1">
               <a:rPr lang="sk-SK" noProof="0" smtClean="0"/>
-              <a:t>15. 4. 2024</a:t>
+              <a:t>28. 4. 2024</a:t>
             </a:fld>
             <a:endParaRPr lang="sk-SK" noProof="0"/>
           </a:p>
@@ -6057,7 +6057,7 @@
             <a:pPr rtl="0"/>
             <a:fld id="{DC2F3DE2-4534-4205-996F-18104DBF99F1}" type="datetime1">
               <a:rPr lang="sk-SK" noProof="0" smtClean="0"/>
-              <a:t>15. 4. 2024</a:t>
+              <a:t>28. 4. 2024</a:t>
             </a:fld>
             <a:endParaRPr lang="sk-SK" noProof="0"/>
           </a:p>
@@ -6300,7 +6300,7 @@
             <a:pPr rtl="0"/>
             <a:fld id="{0F09D144-C732-4EAA-B545-B5CA7F29EB15}" type="datetime1">
               <a:rPr lang="sk-SK" noProof="0" smtClean="0"/>
-              <a:t>15. 4. 2024</a:t>
+              <a:t>28. 4. 2024</a:t>
             </a:fld>
             <a:endParaRPr lang="sk-SK" noProof="0"/>
           </a:p>
@@ -6611,7 +6611,7 @@
             <a:pPr rtl="0"/>
             <a:fld id="{32EC7F4A-8344-4F72-B3E8-8A0AA48052FF}" type="datetime1">
               <a:rPr lang="sk-SK" noProof="0" smtClean="0"/>
-              <a:t>15. 4. 2024</a:t>
+              <a:t>28. 4. 2024</a:t>
             </a:fld>
             <a:endParaRPr lang="sk-SK" noProof="0"/>
           </a:p>
@@ -6915,7 +6915,7 @@
             <a:pPr rtl="0"/>
             <a:fld id="{B3C09C3B-CEC0-4981-AB76-D5C5E6B33731}" type="datetime1">
               <a:rPr lang="sk-SK" noProof="0" smtClean="0"/>
-              <a:t>15. 4. 2024</a:t>
+              <a:t>28. 4. 2024</a:t>
             </a:fld>
             <a:endParaRPr lang="sk-SK" noProof="0"/>
           </a:p>
@@ -7339,7 +7339,7 @@
             <a:pPr rtl="0"/>
             <a:fld id="{7CCC94C2-8A37-48B3-9074-22AD30491673}" type="datetime1">
               <a:rPr lang="sk-SK" noProof="0" smtClean="0"/>
-              <a:t>15. 4. 2024</a:t>
+              <a:t>28. 4. 2024</a:t>
             </a:fld>
             <a:endParaRPr lang="sk-SK" noProof="0"/>
           </a:p>
@@ -7438,7 +7438,7 @@
             <a:pPr rtl="0"/>
             <a:fld id="{36060C74-660A-48EB-9029-10AAD351CF03}" type="datetime1">
               <a:rPr lang="sk-SK" noProof="0" smtClean="0"/>
-              <a:t>15. 4. 2024</a:t>
+              <a:t>28. 4. 2024</a:t>
             </a:fld>
             <a:endParaRPr lang="sk-SK" noProof="0"/>
           </a:p>
@@ -7604,7 +7604,7 @@
             <a:pPr rtl="0"/>
             <a:fld id="{D673AE67-2D91-4A58-BE4F-29D1E4B3635D}" type="datetime1">
               <a:rPr lang="sk-SK" noProof="0" smtClean="0"/>
-              <a:t>15. 4. 2024</a:t>
+              <a:t>28. 4. 2024</a:t>
             </a:fld>
             <a:endParaRPr lang="sk-SK" noProof="0"/>
           </a:p>
@@ -7985,7 +7985,7 @@
             <a:pPr rtl="0"/>
             <a:fld id="{7F279F8B-B18C-48F0-99F6-420F482F7E00}" type="datetime1">
               <a:rPr lang="sk-SK" noProof="0" smtClean="0"/>
-              <a:t>15. 4. 2024</a:t>
+              <a:t>28. 4. 2024</a:t>
             </a:fld>
             <a:endParaRPr lang="sk-SK" noProof="0"/>
           </a:p>
@@ -8278,7 +8278,7 @@
             <a:pPr rtl="0"/>
             <a:fld id="{6CA1EA30-34FB-47DA-A025-B1E4F8293332}" type="datetime1">
               <a:rPr lang="sk-SK" noProof="0" smtClean="0"/>
-              <a:t>15. 4. 2024</a:t>
+              <a:t>28. 4. 2024</a:t>
             </a:fld>
             <a:endParaRPr lang="sk-SK" noProof="0"/>
           </a:p>
@@ -8492,7 +8492,7 @@
             <a:pPr rtl="0"/>
             <a:fld id="{963F36F4-73E0-4338-ACE3-E79047B5E8D6}" type="datetime1">
               <a:rPr lang="sk-SK" noProof="0" smtClean="0"/>
-              <a:t>15. 4. 2024</a:t>
+              <a:t>28. 4. 2024</a:t>
             </a:fld>
             <a:endParaRPr lang="sk-SK" noProof="0"/>
           </a:p>
@@ -9522,9 +9522,9 @@
           </a:bodyPr>
           <a:lstStyle/>
           <a:p>
-            <a:pPr rtl="0"/>
+            <a:pPr algn="ctr" rtl="0"/>
             <a:r>
-              <a:rPr lang="sk-SK" sz="6000" dirty="0">
+              <a:rPr lang="sk-SK" sz="6000" b="1" dirty="0">
                 <a:solidFill>
                   <a:schemeClr val="bg1"/>
                 </a:solidFill>
@@ -9564,18 +9564,29 @@
           <a:p>
             <a:pPr rtl="0"/>
             <a:r>
-              <a:rPr lang="sk-SK">
+              <a:rPr lang="sk-SK" dirty="0">
                 <a:solidFill>
                   <a:srgbClr val="7CEBFF"/>
                 </a:solidFill>
               </a:rPr>
-              <a:t>Martin miklec 2.D</a:t>
+              <a:t>Martin </a:t>
             </a:r>
-            <a:endParaRPr lang="sk-SK" dirty="0">
-              <a:solidFill>
-                <a:srgbClr val="7CEBFF"/>
-              </a:solidFill>
-            </a:endParaRPr>
+            <a:r>
+              <a:rPr lang="sk-SK" dirty="0" err="1">
+                <a:solidFill>
+                  <a:srgbClr val="7CEBFF"/>
+                </a:solidFill>
+              </a:rPr>
+              <a:t>miklec</a:t>
+            </a:r>
+            <a:r>
+              <a:rPr lang="sk-SK" dirty="0">
+                <a:solidFill>
+                  <a:srgbClr val="7CEBFF"/>
+                </a:solidFill>
+              </a:rPr>
+              <a:t> 2.D</a:t>
+            </a:r>
           </a:p>
         </p:txBody>
       </p:sp>

--- a/5g sieť.pptx
+++ b/5g sieť.pptx
@@ -4659,7 +4659,7 @@
             <a:pPr rtl="0"/>
             <a:fld id="{C7AD560E-C07C-40A0-A242-6F10A89AC605}" type="datetime1">
               <a:rPr lang="sk-SK" smtClean="0"/>
-              <a:t>28. 4. 2024</a:t>
+              <a:t>29. 4. 2024</a:t>
             </a:fld>
             <a:endParaRPr lang="sk-SK"/>
           </a:p>
@@ -4841,7 +4841,7 @@
             <a:pPr rtl="0"/>
             <a:fld id="{0CACAEC0-6B8D-42DF-B0AF-02EC948110C9}" type="datetime1">
               <a:rPr lang="sk-SK" noProof="0" smtClean="0"/>
-              <a:t>28. 4. 2024</a:t>
+              <a:t>29. 4. 2024</a:t>
             </a:fld>
             <a:endParaRPr lang="sk-SK" noProof="0"/>
           </a:p>
@@ -5554,7 +5554,7 @@
             <a:pPr rtl="0"/>
             <a:fld id="{BE500869-6189-4A21-B595-9D540C586B36}" type="datetime1">
               <a:rPr lang="sk-SK" noProof="0" smtClean="0"/>
-              <a:t>28. 4. 2024</a:t>
+              <a:t>29. 4. 2024</a:t>
             </a:fld>
             <a:endParaRPr lang="sk-SK" noProof="0"/>
           </a:p>
@@ -5819,7 +5819,7 @@
             <a:pPr rtl="0"/>
             <a:fld id="{B750B709-E48D-4D68-844C-C6F87E0B6D5D}" type="datetime1">
               <a:rPr lang="sk-SK" noProof="0" smtClean="0"/>
-              <a:t>28. 4. 2024</a:t>
+              <a:t>29. 4. 2024</a:t>
             </a:fld>
             <a:endParaRPr lang="sk-SK" noProof="0"/>
           </a:p>
@@ -6057,7 +6057,7 @@
             <a:pPr rtl="0"/>
             <a:fld id="{DC2F3DE2-4534-4205-996F-18104DBF99F1}" type="datetime1">
               <a:rPr lang="sk-SK" noProof="0" smtClean="0"/>
-              <a:t>28. 4. 2024</a:t>
+              <a:t>29. 4. 2024</a:t>
             </a:fld>
             <a:endParaRPr lang="sk-SK" noProof="0"/>
           </a:p>
@@ -6300,7 +6300,7 @@
             <a:pPr rtl="0"/>
             <a:fld id="{0F09D144-C732-4EAA-B545-B5CA7F29EB15}" type="datetime1">
               <a:rPr lang="sk-SK" noProof="0" smtClean="0"/>
-              <a:t>28. 4. 2024</a:t>
+              <a:t>29. 4. 2024</a:t>
             </a:fld>
             <a:endParaRPr lang="sk-SK" noProof="0"/>
           </a:p>
@@ -6611,7 +6611,7 @@
             <a:pPr rtl="0"/>
             <a:fld id="{32EC7F4A-8344-4F72-B3E8-8A0AA48052FF}" type="datetime1">
               <a:rPr lang="sk-SK" noProof="0" smtClean="0"/>
-              <a:t>28. 4. 2024</a:t>
+              <a:t>29. 4. 2024</a:t>
             </a:fld>
             <a:endParaRPr lang="sk-SK" noProof="0"/>
           </a:p>
@@ -6915,7 +6915,7 @@
             <a:pPr rtl="0"/>
             <a:fld id="{B3C09C3B-CEC0-4981-AB76-D5C5E6B33731}" type="datetime1">
               <a:rPr lang="sk-SK" noProof="0" smtClean="0"/>
-              <a:t>28. 4. 2024</a:t>
+              <a:t>29. 4. 2024</a:t>
             </a:fld>
             <a:endParaRPr lang="sk-SK" noProof="0"/>
           </a:p>
@@ -7339,7 +7339,7 @@
             <a:pPr rtl="0"/>
             <a:fld id="{7CCC94C2-8A37-48B3-9074-22AD30491673}" type="datetime1">
               <a:rPr lang="sk-SK" noProof="0" smtClean="0"/>
-              <a:t>28. 4. 2024</a:t>
+              <a:t>29. 4. 2024</a:t>
             </a:fld>
             <a:endParaRPr lang="sk-SK" noProof="0"/>
           </a:p>
@@ -7438,7 +7438,7 @@
             <a:pPr rtl="0"/>
             <a:fld id="{36060C74-660A-48EB-9029-10AAD351CF03}" type="datetime1">
               <a:rPr lang="sk-SK" noProof="0" smtClean="0"/>
-              <a:t>28. 4. 2024</a:t>
+              <a:t>29. 4. 2024</a:t>
             </a:fld>
             <a:endParaRPr lang="sk-SK" noProof="0"/>
           </a:p>
@@ -7604,7 +7604,7 @@
             <a:pPr rtl="0"/>
             <a:fld id="{D673AE67-2D91-4A58-BE4F-29D1E4B3635D}" type="datetime1">
               <a:rPr lang="sk-SK" noProof="0" smtClean="0"/>
-              <a:t>28. 4. 2024</a:t>
+              <a:t>29. 4. 2024</a:t>
             </a:fld>
             <a:endParaRPr lang="sk-SK" noProof="0"/>
           </a:p>
@@ -7985,7 +7985,7 @@
             <a:pPr rtl="0"/>
             <a:fld id="{7F279F8B-B18C-48F0-99F6-420F482F7E00}" type="datetime1">
               <a:rPr lang="sk-SK" noProof="0" smtClean="0"/>
-              <a:t>28. 4. 2024</a:t>
+              <a:t>29. 4. 2024</a:t>
             </a:fld>
             <a:endParaRPr lang="sk-SK" noProof="0"/>
           </a:p>
@@ -8278,7 +8278,7 @@
             <a:pPr rtl="0"/>
             <a:fld id="{6CA1EA30-34FB-47DA-A025-B1E4F8293332}" type="datetime1">
               <a:rPr lang="sk-SK" noProof="0" smtClean="0"/>
-              <a:t>28. 4. 2024</a:t>
+              <a:t>29. 4. 2024</a:t>
             </a:fld>
             <a:endParaRPr lang="sk-SK" noProof="0"/>
           </a:p>
@@ -8492,7 +8492,7 @@
             <a:pPr rtl="0"/>
             <a:fld id="{963F36F4-73E0-4338-ACE3-E79047B5E8D6}" type="datetime1">
               <a:rPr lang="sk-SK" noProof="0" smtClean="0"/>
-              <a:t>28. 4. 2024</a:t>
+              <a:t>29. 4. 2024</a:t>
             </a:fld>
             <a:endParaRPr lang="sk-SK" noProof="0"/>
           </a:p>
@@ -10403,63 +10403,6 @@
           </a:p>
         </p:txBody>
       </p:sp>
-      <p:sp>
-        <p:nvSpPr>
-          <p:cNvPr id="12" name="Vývojový diagram: spojnica 11">
-            <a:extLst>
-              <a:ext uri="{FF2B5EF4-FFF2-40B4-BE49-F238E27FC236}">
-                <a16:creationId xmlns:a16="http://schemas.microsoft.com/office/drawing/2014/main" id="{09ECB692-0A2C-F872-A0A4-A9D4FBA7070F}"/>
-              </a:ext>
-            </a:extLst>
-          </p:cNvPr>
-          <p:cNvSpPr/>
-          <p:nvPr/>
-        </p:nvSpPr>
-        <p:spPr>
-          <a:xfrm>
-            <a:off x="11472430" y="6074228"/>
-            <a:ext cx="1080000" cy="1105890"/>
-          </a:xfrm>
-          <a:prstGeom prst="flowChartConnector">
-            <a:avLst/>
-          </a:prstGeom>
-          <a:solidFill>
-            <a:schemeClr val="tx1">
-              <a:lumMod val="50000"/>
-              <a:lumOff val="50000"/>
-            </a:schemeClr>
-          </a:solidFill>
-          <a:ln>
-            <a:solidFill>
-              <a:srgbClr val="969696"/>
-            </a:solidFill>
-          </a:ln>
-        </p:spPr>
-        <p:style>
-          <a:lnRef idx="2">
-            <a:schemeClr val="accent1">
-              <a:shade val="15000"/>
-            </a:schemeClr>
-          </a:lnRef>
-          <a:fillRef idx="1">
-            <a:schemeClr val="accent1"/>
-          </a:fillRef>
-          <a:effectRef idx="0">
-            <a:schemeClr val="accent1"/>
-          </a:effectRef>
-          <a:fontRef idx="minor">
-            <a:schemeClr val="lt1"/>
-          </a:fontRef>
-        </p:style>
-        <p:txBody>
-          <a:bodyPr rtlCol="0" anchor="ctr"/>
-          <a:lstStyle/>
-          <a:p>
-            <a:pPr algn="ctr"/>
-            <a:endParaRPr lang="sk-SK" dirty="0"/>
-          </a:p>
-        </p:txBody>
-      </p:sp>
     </p:spTree>
     <p:extLst>
       <p:ext uri="{BB962C8B-B14F-4D97-AF65-F5344CB8AC3E}">
@@ -10476,6 +10419,20 @@
 <file path=ppt/slides/slide3.xml><?xml version="1.0" encoding="utf-8"?>
 <p:sld xmlns:a="http://schemas.openxmlformats.org/drawingml/2006/main" xmlns:r="http://schemas.openxmlformats.org/officeDocument/2006/relationships" xmlns:p="http://schemas.openxmlformats.org/presentationml/2006/main">
   <p:cSld>
+    <p:bg>
+      <p:bgPr>
+        <a:blipFill dpi="0" rotWithShape="1">
+          <a:blip r:embed="rId2">
+            <a:lum/>
+          </a:blip>
+          <a:srcRect/>
+          <a:stretch>
+            <a:fillRect l="-10000" r="-10000"/>
+          </a:stretch>
+        </a:blipFill>
+        <a:effectLst/>
+      </p:bgPr>
+    </p:bg>
     <p:spTree>
       <p:nvGrpSpPr>
         <p:cNvPr id="1" name=""/>
@@ -10514,9 +10471,10 @@
           <a:lstStyle/>
           <a:p>
             <a:r>
-              <a:rPr lang="sk-SK" sz="3000" b="1" dirty="0"/>
+              <a:rPr lang="sk-SK" sz="3000" b="1"/>
               <a:t>5g sieť</a:t>
             </a:r>
+            <a:endParaRPr lang="sk-SK" sz="3000" b="1" dirty="0"/>
           </a:p>
         </p:txBody>
       </p:sp>
@@ -10543,6 +10501,9 @@
           <a:p>
             <a:r>
               <a:rPr lang="sk-SK" sz="2500" dirty="0">
+                <a:solidFill>
+                  <a:schemeClr val="bg1"/>
+                </a:solidFill>
                 <a:effectLst/>
                 <a:ea typeface="Calibri" panose="020F0502020204030204" pitchFamily="34" charset="0"/>
                 <a:cs typeface="Times New Roman" panose="02020603050405020304" pitchFamily="18" charset="0"/>
@@ -10553,6 +10514,9 @@
           <a:p>
             <a:r>
               <a:rPr lang="sk-SK" sz="2500" dirty="0">
+                <a:solidFill>
+                  <a:schemeClr val="bg1"/>
+                </a:solidFill>
                 <a:ea typeface="Calibri" panose="020F0502020204030204" pitchFamily="34" charset="0"/>
                 <a:cs typeface="Times New Roman" panose="02020603050405020304" pitchFamily="18" charset="0"/>
               </a:rPr>
@@ -10560,6 +10524,9 @@
             </a:r>
             <a:r>
               <a:rPr lang="sk-SK" sz="2500" dirty="0">
+                <a:solidFill>
+                  <a:schemeClr val="bg1"/>
+                </a:solidFill>
                 <a:effectLst/>
                 <a:ea typeface="Calibri" panose="020F0502020204030204" pitchFamily="34" charset="0"/>
                 <a:cs typeface="Times New Roman" panose="02020603050405020304" pitchFamily="18" charset="0"/>
@@ -10570,6 +10537,9 @@
           <a:p>
             <a:r>
               <a:rPr lang="sk-SK" sz="2500" dirty="0">
+                <a:solidFill>
+                  <a:schemeClr val="bg1"/>
+                </a:solidFill>
                 <a:effectLst/>
                 <a:ea typeface="Calibri" panose="020F0502020204030204" pitchFamily="34" charset="0"/>
                 <a:cs typeface="Times New Roman" panose="02020603050405020304" pitchFamily="18" charset="0"/>
@@ -10580,6 +10550,9 @@
           <a:p>
             <a:r>
               <a:rPr lang="sk-SK" sz="2500" dirty="0">
+                <a:solidFill>
+                  <a:schemeClr val="bg1"/>
+                </a:solidFill>
                 <a:effectLst/>
                 <a:ea typeface="Calibri" panose="020F0502020204030204" pitchFamily="34" charset="0"/>
                 <a:cs typeface="Times New Roman" panose="02020603050405020304" pitchFamily="18" charset="0"/>
@@ -10590,6 +10563,9 @@
           <a:p>
             <a:r>
               <a:rPr lang="sk-SK" sz="2500" dirty="0">
+                <a:solidFill>
+                  <a:schemeClr val="bg1"/>
+                </a:solidFill>
                 <a:effectLst/>
                 <a:ea typeface="Calibri" panose="020F0502020204030204" pitchFamily="34" charset="0"/>
                 <a:cs typeface="Times New Roman" panose="02020603050405020304" pitchFamily="18" charset="0"/>
@@ -10597,6 +10573,9 @@
               <a:t>podpora rastúceho počtu používateľov</a:t>
             </a:r>
             <a:endParaRPr lang="sk-SK" sz="2500" dirty="0">
+              <a:solidFill>
+                <a:schemeClr val="bg1"/>
+              </a:solidFill>
               <a:ea typeface="Calibri" panose="020F0502020204030204" pitchFamily="34" charset="0"/>
               <a:cs typeface="Times New Roman" panose="02020603050405020304" pitchFamily="18" charset="0"/>
             </a:endParaRPr>
@@ -10606,6 +10585,60 @@
           </a:p>
         </p:txBody>
       </p:sp>
+      <p:pic>
+        <p:nvPicPr>
+          <p:cNvPr id="1032" name="Picture 8" descr="What is 5G? | Everything You Need to Know | 5G FAQ | Qualcomm">
+            <a:extLst>
+              <a:ext uri="{FF2B5EF4-FFF2-40B4-BE49-F238E27FC236}">
+                <a16:creationId xmlns:a16="http://schemas.microsoft.com/office/drawing/2014/main" id="{64FE73A9-6B90-8AF7-DDCC-4E37D45EA901}"/>
+              </a:ext>
+            </a:extLst>
+          </p:cNvPr>
+          <p:cNvPicPr>
+            <a:picLocks noChangeAspect="1" noChangeArrowheads="1"/>
+          </p:cNvPicPr>
+          <p:nvPr/>
+        </p:nvPicPr>
+        <p:blipFill rotWithShape="1">
+          <a:blip r:embed="rId3">
+            <a:alphaModFix amt="90000"/>
+            <a:extLst>
+              <a:ext uri="{BEBA8EAE-BF5A-486C-A8C5-ECC9F3942E4B}">
+                <a14:imgProps xmlns:a14="http://schemas.microsoft.com/office/drawing/2010/main">
+                  <a14:imgLayer r:embed="rId4">
+                    <a14:imgEffect>
+                      <a14:colorTemperature colorTemp="11500"/>
+                    </a14:imgEffect>
+                    <a14:imgEffect>
+                      <a14:saturation sat="400000"/>
+                    </a14:imgEffect>
+                  </a14:imgLayer>
+                </a14:imgProps>
+              </a:ext>
+              <a:ext uri="{28A0092B-C50C-407E-A947-70E740481C1C}">
+                <a14:useLocalDpi xmlns:a14="http://schemas.microsoft.com/office/drawing/2010/main" val="0"/>
+              </a:ext>
+            </a:extLst>
+          </a:blip>
+          <a:srcRect t="14184" r="14930"/>
+          <a:stretch/>
+        </p:blipFill>
+        <p:spPr bwMode="auto">
+          <a:xfrm>
+            <a:off x="8545657" y="1831406"/>
+            <a:ext cx="3646343" cy="3678303"/>
+          </a:xfrm>
+          <a:prstGeom prst="rect">
+            <a:avLst/>
+          </a:prstGeom>
+          <a:noFill/>
+          <a:effectLst>
+            <a:outerShdw blurRad="50800" dist="50800" dir="5400000" sx="1000" sy="1000" algn="ctr" rotWithShape="0">
+              <a:srgbClr val="000000"/>
+            </a:outerShdw>
+          </a:effectLst>
+        </p:spPr>
+      </p:pic>
     </p:spTree>
     <p:extLst>
       <p:ext uri="{BB962C8B-B14F-4D97-AF65-F5344CB8AC3E}">
@@ -10622,6 +10655,20 @@
 <file path=ppt/slides/slide4.xml><?xml version="1.0" encoding="utf-8"?>
 <p:sld xmlns:a="http://schemas.openxmlformats.org/drawingml/2006/main" xmlns:r="http://schemas.openxmlformats.org/officeDocument/2006/relationships" xmlns:p="http://schemas.openxmlformats.org/presentationml/2006/main">
   <p:cSld>
+    <p:bg>
+      <p:bgPr>
+        <a:blipFill dpi="0" rotWithShape="1">
+          <a:blip r:embed="rId2">
+            <a:lum/>
+          </a:blip>
+          <a:srcRect/>
+          <a:stretch>
+            <a:fillRect/>
+          </a:stretch>
+        </a:blipFill>
+        <a:effectLst/>
+      </p:bgPr>
+    </p:bg>
     <p:spTree>
       <p:nvGrpSpPr>
         <p:cNvPr id="1" name=""/>
@@ -10695,19 +10742,30 @@
           <a:lstStyle/>
           <a:p>
             <a:r>
-              <a:rPr lang="sk-SK" sz="2500" dirty="0"/>
+              <a:rPr lang="sk-SK" sz="2500" dirty="0">
+                <a:solidFill>
+                  <a:schemeClr val="bg1"/>
+                </a:solidFill>
+              </a:rPr>
               <a:t>bunkové siete, oblasť rozdelená na geografické oblasti</a:t>
             </a:r>
           </a:p>
           <a:p>
             <a:r>
-              <a:rPr lang="sk-SK" sz="2500" dirty="0"/>
+              <a:rPr lang="sk-SK" sz="2500" dirty="0">
+                <a:solidFill>
+                  <a:schemeClr val="bg1"/>
+                </a:solidFill>
+              </a:rPr>
               <a:t>nízko-pásmové rádiové frekvencie (umožňujú veľký dosah)</a:t>
             </a:r>
           </a:p>
           <a:p>
             <a:r>
               <a:rPr lang="sk-SK" sz="2500" dirty="0">
+                <a:solidFill>
+                  <a:schemeClr val="bg1"/>
+                </a:solidFill>
                 <a:ea typeface="Calibri" panose="020F0502020204030204" pitchFamily="34" charset="0"/>
                 <a:cs typeface="Times New Roman" panose="02020603050405020304" pitchFamily="18" charset="0"/>
               </a:rPr>
@@ -10715,6 +10773,9 @@
             </a:r>
             <a:r>
               <a:rPr lang="sk-SK" sz="2500" dirty="0">
+                <a:solidFill>
+                  <a:schemeClr val="bg1"/>
+                </a:solidFill>
                 <a:effectLst/>
                 <a:ea typeface="Calibri" panose="020F0502020204030204" pitchFamily="34" charset="0"/>
                 <a:cs typeface="Times New Roman" panose="02020603050405020304" pitchFamily="18" charset="0"/>
@@ -10724,25 +10785,37 @@
           </a:p>
           <a:p>
             <a:r>
-              <a:rPr lang="sk-SK" sz="2500"/>
-              <a:t>technologické </a:t>
+              <a:rPr lang="sk-SK" sz="2500" dirty="0">
+                <a:solidFill>
+                  <a:schemeClr val="bg1"/>
+                </a:solidFill>
+              </a:rPr>
+              <a:t>technologické aplikácie a služby,  (</a:t>
             </a:r>
             <a:r>
-              <a:rPr lang="sk-SK" sz="2500" dirty="0"/>
-              <a:t>aplikácie a služby,  (</a:t>
-            </a:r>
-            <a:r>
-              <a:rPr lang="sk-SK" sz="2500" dirty="0" err="1"/>
+              <a:rPr lang="sk-SK" sz="2500" dirty="0" err="1">
+                <a:solidFill>
+                  <a:schemeClr val="bg1"/>
+                </a:solidFill>
+              </a:rPr>
               <a:t>IoT</a:t>
             </a:r>
             <a:r>
-              <a:rPr lang="sk-SK" sz="2500" dirty="0"/>
+              <a:rPr lang="sk-SK" sz="2500" dirty="0">
+                <a:solidFill>
+                  <a:schemeClr val="bg1"/>
+                </a:solidFill>
+              </a:rPr>
               <a:t>, UI,  VR)</a:t>
             </a:r>
           </a:p>
           <a:p>
             <a:r>
-              <a:rPr lang="sk-SK" sz="2500" dirty="0"/>
+              <a:rPr lang="sk-SK" sz="2500" dirty="0">
+                <a:solidFill>
+                  <a:schemeClr val="bg1"/>
+                </a:solidFill>
+              </a:rPr>
               <a:t>vysokofrekvenčné vlny 5G</a:t>
             </a:r>
           </a:p>
@@ -10767,6 +10840,20 @@
 <file path=ppt/slides/slide5.xml><?xml version="1.0" encoding="utf-8"?>
 <p:sld xmlns:a="http://schemas.openxmlformats.org/drawingml/2006/main" xmlns:r="http://schemas.openxmlformats.org/officeDocument/2006/relationships" xmlns:p="http://schemas.openxmlformats.org/presentationml/2006/main">
   <p:cSld>
+    <p:bg>
+      <p:bgPr>
+        <a:blipFill dpi="0" rotWithShape="1">
+          <a:blip r:embed="rId2">
+            <a:lum/>
+          </a:blip>
+          <a:srcRect/>
+          <a:stretch>
+            <a:fillRect/>
+          </a:stretch>
+        </a:blipFill>
+        <a:effectLst/>
+      </p:bgPr>
+    </p:bg>
     <p:spTree>
       <p:nvGrpSpPr>
         <p:cNvPr id="1" name="">
@@ -11811,11 +11898,13 @@
           </a:xfrm>
         </p:spPr>
         <p:txBody>
-          <a:bodyPr/>
+          <a:bodyPr>
+            <a:normAutofit/>
+          </a:bodyPr>
           <a:lstStyle/>
           <a:p>
             <a:r>
-              <a:rPr lang="sk-SK" dirty="0">
+              <a:rPr lang="sk-SK" sz="2500" dirty="0">
                 <a:solidFill>
                   <a:schemeClr val="bg1"/>
                 </a:solidFill>
@@ -11825,7 +11914,7 @@
           </a:p>
           <a:p>
             <a:r>
-              <a:rPr lang="sk-SK" dirty="0">
+              <a:rPr lang="sk-SK" sz="2500" dirty="0">
                 <a:solidFill>
                   <a:schemeClr val="bg1"/>
                 </a:solidFill>
@@ -11835,7 +11924,7 @@
           </a:p>
           <a:p>
             <a:r>
-              <a:rPr lang="sk-SK" dirty="0">
+              <a:rPr lang="sk-SK" sz="2500" dirty="0">
                 <a:solidFill>
                   <a:schemeClr val="bg1"/>
                 </a:solidFill>
@@ -11845,7 +11934,7 @@
           </a:p>
           <a:p>
             <a:r>
-              <a:rPr lang="sk-SK" dirty="0">
+              <a:rPr lang="sk-SK" sz="2500" dirty="0">
                 <a:solidFill>
                   <a:schemeClr val="bg1"/>
                 </a:solidFill>
@@ -11855,7 +11944,7 @@
           </a:p>
           <a:p>
             <a:r>
-              <a:rPr lang="sk-SK" dirty="0">
+              <a:rPr lang="sk-SK" sz="2500" dirty="0">
                 <a:solidFill>
                   <a:schemeClr val="bg1"/>
                 </a:solidFill>
@@ -12229,7 +12318,7 @@
         <p:spPr>
           <a:xfrm>
             <a:off x="581192" y="2312044"/>
-            <a:ext cx="8561843" cy="1200329"/>
+            <a:ext cx="8561843" cy="1523494"/>
           </a:xfrm>
           <a:prstGeom prst="rect">
             <a:avLst/>
@@ -12253,7 +12342,7 @@
               <a:buChar char="§"/>
             </a:pPr>
             <a:r>
-              <a:rPr lang="sk-SK" dirty="0"/>
+              <a:rPr lang="sk-SK" sz="2500" dirty="0"/>
               <a:t>Veľký potenciál rozmachu</a:t>
             </a:r>
           </a:p>
@@ -12269,7 +12358,7 @@
               <a:buChar char="§"/>
             </a:pPr>
             <a:r>
-              <a:rPr lang="sk-SK" dirty="0"/>
+              <a:rPr lang="sk-SK" sz="2500" dirty="0"/>
               <a:t>Záujem operátorov o najväčšie pokrytie</a:t>
             </a:r>
           </a:p>
@@ -12285,7 +12374,7 @@
               <a:buChar char="§"/>
             </a:pPr>
             <a:r>
-              <a:rPr lang="sk-SK" dirty="0"/>
+              <a:rPr lang="sk-SK" sz="2500" dirty="0"/>
               <a:t>Rapídny nárast počtu 5G vysielačov</a:t>
             </a:r>
           </a:p>

--- a/5g sieť.pptx
+++ b/5g sieť.pptx
@@ -4659,7 +4659,7 @@
             <a:pPr rtl="0"/>
             <a:fld id="{C7AD560E-C07C-40A0-A242-6F10A89AC605}" type="datetime1">
               <a:rPr lang="sk-SK" smtClean="0"/>
-              <a:t>29. 4. 2024</a:t>
+              <a:t>30. 4. 2024</a:t>
             </a:fld>
             <a:endParaRPr lang="sk-SK"/>
           </a:p>
@@ -4841,7 +4841,7 @@
             <a:pPr rtl="0"/>
             <a:fld id="{0CACAEC0-6B8D-42DF-B0AF-02EC948110C9}" type="datetime1">
               <a:rPr lang="sk-SK" noProof="0" smtClean="0"/>
-              <a:t>29. 4. 2024</a:t>
+              <a:t>30. 4. 2024</a:t>
             </a:fld>
             <a:endParaRPr lang="sk-SK" noProof="0"/>
           </a:p>
@@ -5554,7 +5554,7 @@
             <a:pPr rtl="0"/>
             <a:fld id="{BE500869-6189-4A21-B595-9D540C586B36}" type="datetime1">
               <a:rPr lang="sk-SK" noProof="0" smtClean="0"/>
-              <a:t>29. 4. 2024</a:t>
+              <a:t>30. 4. 2024</a:t>
             </a:fld>
             <a:endParaRPr lang="sk-SK" noProof="0"/>
           </a:p>
@@ -5819,7 +5819,7 @@
             <a:pPr rtl="0"/>
             <a:fld id="{B750B709-E48D-4D68-844C-C6F87E0B6D5D}" type="datetime1">
               <a:rPr lang="sk-SK" noProof="0" smtClean="0"/>
-              <a:t>29. 4. 2024</a:t>
+              <a:t>30. 4. 2024</a:t>
             </a:fld>
             <a:endParaRPr lang="sk-SK" noProof="0"/>
           </a:p>
@@ -6057,7 +6057,7 @@
             <a:pPr rtl="0"/>
             <a:fld id="{DC2F3DE2-4534-4205-996F-18104DBF99F1}" type="datetime1">
               <a:rPr lang="sk-SK" noProof="0" smtClean="0"/>
-              <a:t>29. 4. 2024</a:t>
+              <a:t>30. 4. 2024</a:t>
             </a:fld>
             <a:endParaRPr lang="sk-SK" noProof="0"/>
           </a:p>
@@ -6300,7 +6300,7 @@
             <a:pPr rtl="0"/>
             <a:fld id="{0F09D144-C732-4EAA-B545-B5CA7F29EB15}" type="datetime1">
               <a:rPr lang="sk-SK" noProof="0" smtClean="0"/>
-              <a:t>29. 4. 2024</a:t>
+              <a:t>30. 4. 2024</a:t>
             </a:fld>
             <a:endParaRPr lang="sk-SK" noProof="0"/>
           </a:p>
@@ -6611,7 +6611,7 @@
             <a:pPr rtl="0"/>
             <a:fld id="{32EC7F4A-8344-4F72-B3E8-8A0AA48052FF}" type="datetime1">
               <a:rPr lang="sk-SK" noProof="0" smtClean="0"/>
-              <a:t>29. 4. 2024</a:t>
+              <a:t>30. 4. 2024</a:t>
             </a:fld>
             <a:endParaRPr lang="sk-SK" noProof="0"/>
           </a:p>
@@ -6915,7 +6915,7 @@
             <a:pPr rtl="0"/>
             <a:fld id="{B3C09C3B-CEC0-4981-AB76-D5C5E6B33731}" type="datetime1">
               <a:rPr lang="sk-SK" noProof="0" smtClean="0"/>
-              <a:t>29. 4. 2024</a:t>
+              <a:t>30. 4. 2024</a:t>
             </a:fld>
             <a:endParaRPr lang="sk-SK" noProof="0"/>
           </a:p>
@@ -7339,7 +7339,7 @@
             <a:pPr rtl="0"/>
             <a:fld id="{7CCC94C2-8A37-48B3-9074-22AD30491673}" type="datetime1">
               <a:rPr lang="sk-SK" noProof="0" smtClean="0"/>
-              <a:t>29. 4. 2024</a:t>
+              <a:t>30. 4. 2024</a:t>
             </a:fld>
             <a:endParaRPr lang="sk-SK" noProof="0"/>
           </a:p>
@@ -7438,7 +7438,7 @@
             <a:pPr rtl="0"/>
             <a:fld id="{36060C74-660A-48EB-9029-10AAD351CF03}" type="datetime1">
               <a:rPr lang="sk-SK" noProof="0" smtClean="0"/>
-              <a:t>29. 4. 2024</a:t>
+              <a:t>30. 4. 2024</a:t>
             </a:fld>
             <a:endParaRPr lang="sk-SK" noProof="0"/>
           </a:p>
@@ -7604,7 +7604,7 @@
             <a:pPr rtl="0"/>
             <a:fld id="{D673AE67-2D91-4A58-BE4F-29D1E4B3635D}" type="datetime1">
               <a:rPr lang="sk-SK" noProof="0" smtClean="0"/>
-              <a:t>29. 4. 2024</a:t>
+              <a:t>30. 4. 2024</a:t>
             </a:fld>
             <a:endParaRPr lang="sk-SK" noProof="0"/>
           </a:p>
@@ -7985,7 +7985,7 @@
             <a:pPr rtl="0"/>
             <a:fld id="{7F279F8B-B18C-48F0-99F6-420F482F7E00}" type="datetime1">
               <a:rPr lang="sk-SK" noProof="0" smtClean="0"/>
-              <a:t>29. 4. 2024</a:t>
+              <a:t>30. 4. 2024</a:t>
             </a:fld>
             <a:endParaRPr lang="sk-SK" noProof="0"/>
           </a:p>
@@ -8278,7 +8278,7 @@
             <a:pPr rtl="0"/>
             <a:fld id="{6CA1EA30-34FB-47DA-A025-B1E4F8293332}" type="datetime1">
               <a:rPr lang="sk-SK" noProof="0" smtClean="0"/>
-              <a:t>29. 4. 2024</a:t>
+              <a:t>30. 4. 2024</a:t>
             </a:fld>
             <a:endParaRPr lang="sk-SK" noProof="0"/>
           </a:p>
@@ -8492,7 +8492,7 @@
             <a:pPr rtl="0"/>
             <a:fld id="{963F36F4-73E0-4338-ACE3-E79047B5E8D6}" type="datetime1">
               <a:rPr lang="sk-SK" noProof="0" smtClean="0"/>
-              <a:t>29. 4. 2024</a:t>
+              <a:t>30. 4. 2024</a:t>
             </a:fld>
             <a:endParaRPr lang="sk-SK" noProof="0"/>
           </a:p>
@@ -11158,7 +11158,7 @@
         <p:spPr>
           <a:xfrm>
             <a:off x="6482080" y="2764349"/>
-            <a:ext cx="3147015" cy="2369880"/>
+            <a:ext cx="3199915" cy="2369880"/>
           </a:xfrm>
           <a:prstGeom prst="rect">
             <a:avLst/>
@@ -11225,7 +11225,7 @@
                   <a:schemeClr val="bg1"/>
                 </a:solidFill>
               </a:rPr>
-              <a:t>vyššia spotreba batérie</a:t>
+              <a:t>Vyššia spotreba batérie</a:t>
             </a:r>
           </a:p>
           <a:p>

--- a/5g sieť.pptx
+++ b/5g sieť.pptx
@@ -4659,7 +4659,7 @@
             <a:pPr rtl="0"/>
             <a:fld id="{C7AD560E-C07C-40A0-A242-6F10A89AC605}" type="datetime1">
               <a:rPr lang="sk-SK" smtClean="0"/>
-              <a:t>30. 4. 2024</a:t>
+              <a:t>3. 5. 2024</a:t>
             </a:fld>
             <a:endParaRPr lang="sk-SK"/>
           </a:p>
@@ -4841,7 +4841,7 @@
             <a:pPr rtl="0"/>
             <a:fld id="{0CACAEC0-6B8D-42DF-B0AF-02EC948110C9}" type="datetime1">
               <a:rPr lang="sk-SK" noProof="0" smtClean="0"/>
-              <a:t>30. 4. 2024</a:t>
+              <a:t>3. 5. 2024</a:t>
             </a:fld>
             <a:endParaRPr lang="sk-SK" noProof="0"/>
           </a:p>
@@ -5554,7 +5554,7 @@
             <a:pPr rtl="0"/>
             <a:fld id="{BE500869-6189-4A21-B595-9D540C586B36}" type="datetime1">
               <a:rPr lang="sk-SK" noProof="0" smtClean="0"/>
-              <a:t>30. 4. 2024</a:t>
+              <a:t>3. 5. 2024</a:t>
             </a:fld>
             <a:endParaRPr lang="sk-SK" noProof="0"/>
           </a:p>
@@ -5819,7 +5819,7 @@
             <a:pPr rtl="0"/>
             <a:fld id="{B750B709-E48D-4D68-844C-C6F87E0B6D5D}" type="datetime1">
               <a:rPr lang="sk-SK" noProof="0" smtClean="0"/>
-              <a:t>30. 4. 2024</a:t>
+              <a:t>3. 5. 2024</a:t>
             </a:fld>
             <a:endParaRPr lang="sk-SK" noProof="0"/>
           </a:p>
@@ -6057,7 +6057,7 @@
             <a:pPr rtl="0"/>
             <a:fld id="{DC2F3DE2-4534-4205-996F-18104DBF99F1}" type="datetime1">
               <a:rPr lang="sk-SK" noProof="0" smtClean="0"/>
-              <a:t>30. 4. 2024</a:t>
+              <a:t>3. 5. 2024</a:t>
             </a:fld>
             <a:endParaRPr lang="sk-SK" noProof="0"/>
           </a:p>
@@ -6300,7 +6300,7 @@
             <a:pPr rtl="0"/>
             <a:fld id="{0F09D144-C732-4EAA-B545-B5CA7F29EB15}" type="datetime1">
               <a:rPr lang="sk-SK" noProof="0" smtClean="0"/>
-              <a:t>30. 4. 2024</a:t>
+              <a:t>3. 5. 2024</a:t>
             </a:fld>
             <a:endParaRPr lang="sk-SK" noProof="0"/>
           </a:p>
@@ -6611,7 +6611,7 @@
             <a:pPr rtl="0"/>
             <a:fld id="{32EC7F4A-8344-4F72-B3E8-8A0AA48052FF}" type="datetime1">
               <a:rPr lang="sk-SK" noProof="0" smtClean="0"/>
-              <a:t>30. 4. 2024</a:t>
+              <a:t>3. 5. 2024</a:t>
             </a:fld>
             <a:endParaRPr lang="sk-SK" noProof="0"/>
           </a:p>
@@ -6915,7 +6915,7 @@
             <a:pPr rtl="0"/>
             <a:fld id="{B3C09C3B-CEC0-4981-AB76-D5C5E6B33731}" type="datetime1">
               <a:rPr lang="sk-SK" noProof="0" smtClean="0"/>
-              <a:t>30. 4. 2024</a:t>
+              <a:t>3. 5. 2024</a:t>
             </a:fld>
             <a:endParaRPr lang="sk-SK" noProof="0"/>
           </a:p>
@@ -7339,7 +7339,7 @@
             <a:pPr rtl="0"/>
             <a:fld id="{7CCC94C2-8A37-48B3-9074-22AD30491673}" type="datetime1">
               <a:rPr lang="sk-SK" noProof="0" smtClean="0"/>
-              <a:t>30. 4. 2024</a:t>
+              <a:t>3. 5. 2024</a:t>
             </a:fld>
             <a:endParaRPr lang="sk-SK" noProof="0"/>
           </a:p>
@@ -7438,7 +7438,7 @@
             <a:pPr rtl="0"/>
             <a:fld id="{36060C74-660A-48EB-9029-10AAD351CF03}" type="datetime1">
               <a:rPr lang="sk-SK" noProof="0" smtClean="0"/>
-              <a:t>30. 4. 2024</a:t>
+              <a:t>3. 5. 2024</a:t>
             </a:fld>
             <a:endParaRPr lang="sk-SK" noProof="0"/>
           </a:p>
@@ -7604,7 +7604,7 @@
             <a:pPr rtl="0"/>
             <a:fld id="{D673AE67-2D91-4A58-BE4F-29D1E4B3635D}" type="datetime1">
               <a:rPr lang="sk-SK" noProof="0" smtClean="0"/>
-              <a:t>30. 4. 2024</a:t>
+              <a:t>3. 5. 2024</a:t>
             </a:fld>
             <a:endParaRPr lang="sk-SK" noProof="0"/>
           </a:p>
@@ -7985,7 +7985,7 @@
             <a:pPr rtl="0"/>
             <a:fld id="{7F279F8B-B18C-48F0-99F6-420F482F7E00}" type="datetime1">
               <a:rPr lang="sk-SK" noProof="0" smtClean="0"/>
-              <a:t>30. 4. 2024</a:t>
+              <a:t>3. 5. 2024</a:t>
             </a:fld>
             <a:endParaRPr lang="sk-SK" noProof="0"/>
           </a:p>
@@ -8278,7 +8278,7 @@
             <a:pPr rtl="0"/>
             <a:fld id="{6CA1EA30-34FB-47DA-A025-B1E4F8293332}" type="datetime1">
               <a:rPr lang="sk-SK" noProof="0" smtClean="0"/>
-              <a:t>30. 4. 2024</a:t>
+              <a:t>3. 5. 2024</a:t>
             </a:fld>
             <a:endParaRPr lang="sk-SK" noProof="0"/>
           </a:p>
@@ -8492,7 +8492,7 @@
             <a:pPr rtl="0"/>
             <a:fld id="{963F36F4-73E0-4338-ACE3-E79047B5E8D6}" type="datetime1">
               <a:rPr lang="sk-SK" noProof="0" smtClean="0"/>
-              <a:t>30. 4. 2024</a:t>
+              <a:t>3. 5. 2024</a:t>
             </a:fld>
             <a:endParaRPr lang="sk-SK" noProof="0"/>
           </a:p>
@@ -11026,7 +11026,7 @@
         <p:spPr>
           <a:xfrm>
             <a:off x="711200" y="2796000"/>
-            <a:ext cx="2852127" cy="2477601"/>
+            <a:ext cx="3044488" cy="2477601"/>
           </a:xfrm>
           <a:prstGeom prst="rect">
             <a:avLst/>
@@ -11075,8 +11075,37 @@
                   <a:schemeClr val="bg1"/>
                 </a:solidFill>
               </a:rPr>
-              <a:t>Kvalita streamovania</a:t>
+              <a:t>Kvalita </a:t>
             </a:r>
+            <a:r>
+              <a:rPr lang="sk-SK" sz="2500" dirty="0" err="1">
+                <a:solidFill>
+                  <a:schemeClr val="bg1"/>
+                </a:solidFill>
+              </a:rPr>
+              <a:t>st</a:t>
+            </a:r>
+            <a:r>
+              <a:rPr lang="sk-SK" sz="2500" dirty="0">
+                <a:solidFill>
+                  <a:schemeClr val="bg1"/>
+                </a:solidFill>
+              </a:rPr>
+              <a:t>	</a:t>
+            </a:r>
+            <a:r>
+              <a:rPr lang="sk-SK" sz="2500" dirty="0" err="1">
+                <a:solidFill>
+                  <a:schemeClr val="bg1"/>
+                </a:solidFill>
+              </a:rPr>
+              <a:t>reamovania</a:t>
+            </a:r>
+            <a:endParaRPr lang="sk-SK" sz="2500" dirty="0">
+              <a:solidFill>
+                <a:schemeClr val="bg1"/>
+              </a:solidFill>
+            </a:endParaRPr>
           </a:p>
           <a:p>
             <a:r>
@@ -11095,7 +11124,7 @@
                   <a:schemeClr val="bg1"/>
                 </a:solidFill>
               </a:rPr>
-              <a:t>Latencia</a:t>
+              <a:t>Oneskorenie</a:t>
             </a:r>
           </a:p>
         </p:txBody>
@@ -11319,7 +11348,7 @@
             <p:ph idx="1"/>
             <p:extLst>
               <p:ext uri="{D42A27DB-BD31-4B8C-83A1-F6EECF244321}">
-                <p14:modId xmlns:p14="http://schemas.microsoft.com/office/powerpoint/2010/main" val="921356488"/>
+                <p14:modId xmlns:p14="http://schemas.microsoft.com/office/powerpoint/2010/main" val="102606243"/>
               </p:ext>
             </p:extLst>
           </p:nvPr>
@@ -11532,7 +11561,7 @@
                     <a:p>
                       <a:r>
                         <a:rPr lang="sk-SK" dirty="0"/>
-                        <a:t>300-1000 MS</a:t>
+                        <a:t>300-1000 Ms</a:t>
                       </a:r>
                     </a:p>
                   </a:txBody>
@@ -11591,7 +11620,7 @@
                     <a:p>
                       <a:r>
                         <a:rPr lang="sk-SK" dirty="0"/>
-                        <a:t>100-500 MS</a:t>
+                        <a:t>100-500 Ms</a:t>
                       </a:r>
                     </a:p>
                   </a:txBody>
@@ -11650,7 +11679,7 @@
                     <a:p>
                       <a:r>
                         <a:rPr lang="sk-SK" dirty="0"/>
-                        <a:t>&lt; 100 MS</a:t>
+                        <a:t>&lt; 100 Ms</a:t>
                       </a:r>
                     </a:p>
                   </a:txBody>
@@ -11709,7 +11738,7 @@
                     <a:p>
                       <a:r>
                         <a:rPr lang="sk-SK" dirty="0"/>
-                        <a:t>&lt; 5 MS</a:t>
+                        <a:t>&lt; 5 Ms</a:t>
                       </a:r>
                     </a:p>
                   </a:txBody>
@@ -11780,7 +11809,7 @@
             </a:r>
             <a:r>
               <a:rPr lang="sk-SK" dirty="0"/>
-              <a:t> za sekundu, MS = milisekundy</a:t>
+              <a:t> za sekundu, Ms = milisekundy</a:t>
             </a:r>
           </a:p>
         </p:txBody>
@@ -12030,14 +12059,14 @@
             <p:ph idx="1"/>
             <p:extLst>
               <p:ext uri="{D42A27DB-BD31-4B8C-83A1-F6EECF244321}">
-                <p14:modId xmlns:p14="http://schemas.microsoft.com/office/powerpoint/2010/main" val="1659240953"/>
+                <p14:modId xmlns:p14="http://schemas.microsoft.com/office/powerpoint/2010/main" val="1790701215"/>
               </p:ext>
             </p:extLst>
           </p:nvPr>
         </p:nvGraphicFramePr>
         <p:xfrm>
-          <a:off x="581192" y="4548850"/>
-          <a:ext cx="11029950" cy="1849120"/>
+          <a:off x="581192" y="3918858"/>
+          <a:ext cx="11029950" cy="2479110"/>
         </p:xfrm>
         <a:graphic>
           <a:graphicData uri="http://schemas.openxmlformats.org/drawingml/2006/table">
@@ -12068,7 +12097,7 @@
                   </a:extLst>
                 </a:gridCol>
               </a:tblGrid>
-              <a:tr h="179255">
+              <a:tr h="490374">
                 <a:tc>
                   <a:txBody>
                     <a:bodyPr/>
@@ -12114,7 +12143,7 @@
                   </a:ext>
                 </a:extLst>
               </a:tr>
-              <a:tr h="370840">
+              <a:tr h="497184">
                 <a:tc>
                   <a:txBody>
                     <a:bodyPr/>
@@ -12160,7 +12189,7 @@
                   </a:ext>
                 </a:extLst>
               </a:tr>
-              <a:tr h="370840">
+              <a:tr h="497184">
                 <a:tc>
                   <a:txBody>
                     <a:bodyPr/>
@@ -12206,7 +12235,7 @@
                   </a:ext>
                 </a:extLst>
               </a:tr>
-              <a:tr h="370840">
+              <a:tr h="497184">
                 <a:tc>
                   <a:txBody>
                     <a:bodyPr/>
@@ -12252,7 +12281,7 @@
                   </a:ext>
                 </a:extLst>
               </a:tr>
-              <a:tr h="370840">
+              <a:tr h="497184">
                 <a:tc>
                   <a:txBody>
                     <a:bodyPr/>

--- a/5g sieť.pptx
+++ b/5g sieť.pptx
@@ -4659,7 +4659,7 @@
             <a:pPr rtl="0"/>
             <a:fld id="{C7AD560E-C07C-40A0-A242-6F10A89AC605}" type="datetime1">
               <a:rPr lang="sk-SK" smtClean="0"/>
-              <a:t>3. 5. 2024</a:t>
+              <a:t>25. 5. 2024</a:t>
             </a:fld>
             <a:endParaRPr lang="sk-SK"/>
           </a:p>
@@ -4841,7 +4841,7 @@
             <a:pPr rtl="0"/>
             <a:fld id="{0CACAEC0-6B8D-42DF-B0AF-02EC948110C9}" type="datetime1">
               <a:rPr lang="sk-SK" noProof="0" smtClean="0"/>
-              <a:t>3. 5. 2024</a:t>
+              <a:t>25. 5. 2024</a:t>
             </a:fld>
             <a:endParaRPr lang="sk-SK" noProof="0"/>
           </a:p>
@@ -5554,7 +5554,7 @@
             <a:pPr rtl="0"/>
             <a:fld id="{BE500869-6189-4A21-B595-9D540C586B36}" type="datetime1">
               <a:rPr lang="sk-SK" noProof="0" smtClean="0"/>
-              <a:t>3. 5. 2024</a:t>
+              <a:t>25. 5. 2024</a:t>
             </a:fld>
             <a:endParaRPr lang="sk-SK" noProof="0"/>
           </a:p>
@@ -5819,7 +5819,7 @@
             <a:pPr rtl="0"/>
             <a:fld id="{B750B709-E48D-4D68-844C-C6F87E0B6D5D}" type="datetime1">
               <a:rPr lang="sk-SK" noProof="0" smtClean="0"/>
-              <a:t>3. 5. 2024</a:t>
+              <a:t>25. 5. 2024</a:t>
             </a:fld>
             <a:endParaRPr lang="sk-SK" noProof="0"/>
           </a:p>
@@ -6057,7 +6057,7 @@
             <a:pPr rtl="0"/>
             <a:fld id="{DC2F3DE2-4534-4205-996F-18104DBF99F1}" type="datetime1">
               <a:rPr lang="sk-SK" noProof="0" smtClean="0"/>
-              <a:t>3. 5. 2024</a:t>
+              <a:t>25. 5. 2024</a:t>
             </a:fld>
             <a:endParaRPr lang="sk-SK" noProof="0"/>
           </a:p>
@@ -6300,7 +6300,7 @@
             <a:pPr rtl="0"/>
             <a:fld id="{0F09D144-C732-4EAA-B545-B5CA7F29EB15}" type="datetime1">
               <a:rPr lang="sk-SK" noProof="0" smtClean="0"/>
-              <a:t>3. 5. 2024</a:t>
+              <a:t>25. 5. 2024</a:t>
             </a:fld>
             <a:endParaRPr lang="sk-SK" noProof="0"/>
           </a:p>
@@ -6611,7 +6611,7 @@
             <a:pPr rtl="0"/>
             <a:fld id="{32EC7F4A-8344-4F72-B3E8-8A0AA48052FF}" type="datetime1">
               <a:rPr lang="sk-SK" noProof="0" smtClean="0"/>
-              <a:t>3. 5. 2024</a:t>
+              <a:t>25. 5. 2024</a:t>
             </a:fld>
             <a:endParaRPr lang="sk-SK" noProof="0"/>
           </a:p>
@@ -6915,7 +6915,7 @@
             <a:pPr rtl="0"/>
             <a:fld id="{B3C09C3B-CEC0-4981-AB76-D5C5E6B33731}" type="datetime1">
               <a:rPr lang="sk-SK" noProof="0" smtClean="0"/>
-              <a:t>3. 5. 2024</a:t>
+              <a:t>25. 5. 2024</a:t>
             </a:fld>
             <a:endParaRPr lang="sk-SK" noProof="0"/>
           </a:p>
@@ -7339,7 +7339,7 @@
             <a:pPr rtl="0"/>
             <a:fld id="{7CCC94C2-8A37-48B3-9074-22AD30491673}" type="datetime1">
               <a:rPr lang="sk-SK" noProof="0" smtClean="0"/>
-              <a:t>3. 5. 2024</a:t>
+              <a:t>25. 5. 2024</a:t>
             </a:fld>
             <a:endParaRPr lang="sk-SK" noProof="0"/>
           </a:p>
@@ -7438,7 +7438,7 @@
             <a:pPr rtl="0"/>
             <a:fld id="{36060C74-660A-48EB-9029-10AAD351CF03}" type="datetime1">
               <a:rPr lang="sk-SK" noProof="0" smtClean="0"/>
-              <a:t>3. 5. 2024</a:t>
+              <a:t>25. 5. 2024</a:t>
             </a:fld>
             <a:endParaRPr lang="sk-SK" noProof="0"/>
           </a:p>
@@ -7604,7 +7604,7 @@
             <a:pPr rtl="0"/>
             <a:fld id="{D673AE67-2D91-4A58-BE4F-29D1E4B3635D}" type="datetime1">
               <a:rPr lang="sk-SK" noProof="0" smtClean="0"/>
-              <a:t>3. 5. 2024</a:t>
+              <a:t>25. 5. 2024</a:t>
             </a:fld>
             <a:endParaRPr lang="sk-SK" noProof="0"/>
           </a:p>
@@ -7985,7 +7985,7 @@
             <a:pPr rtl="0"/>
             <a:fld id="{7F279F8B-B18C-48F0-99F6-420F482F7E00}" type="datetime1">
               <a:rPr lang="sk-SK" noProof="0" smtClean="0"/>
-              <a:t>3. 5. 2024</a:t>
+              <a:t>25. 5. 2024</a:t>
             </a:fld>
             <a:endParaRPr lang="sk-SK" noProof="0"/>
           </a:p>
@@ -8278,7 +8278,7 @@
             <a:pPr rtl="0"/>
             <a:fld id="{6CA1EA30-34FB-47DA-A025-B1E4F8293332}" type="datetime1">
               <a:rPr lang="sk-SK" noProof="0" smtClean="0"/>
-              <a:t>3. 5. 2024</a:t>
+              <a:t>25. 5. 2024</a:t>
             </a:fld>
             <a:endParaRPr lang="sk-SK" noProof="0"/>
           </a:p>
@@ -8492,7 +8492,7 @@
             <a:pPr rtl="0"/>
             <a:fld id="{963F36F4-73E0-4338-ACE3-E79047B5E8D6}" type="datetime1">
               <a:rPr lang="sk-SK" noProof="0" smtClean="0"/>
-              <a:t>3. 5. 2024</a:t>
+              <a:t>25. 5. 2024</a:t>
             </a:fld>
             <a:endParaRPr lang="sk-SK" noProof="0"/>
           </a:p>
@@ -10585,60 +10585,6 @@
           </a:p>
         </p:txBody>
       </p:sp>
-      <p:pic>
-        <p:nvPicPr>
-          <p:cNvPr id="1032" name="Picture 8" descr="What is 5G? | Everything You Need to Know | 5G FAQ | Qualcomm">
-            <a:extLst>
-              <a:ext uri="{FF2B5EF4-FFF2-40B4-BE49-F238E27FC236}">
-                <a16:creationId xmlns:a16="http://schemas.microsoft.com/office/drawing/2014/main" id="{64FE73A9-6B90-8AF7-DDCC-4E37D45EA901}"/>
-              </a:ext>
-            </a:extLst>
-          </p:cNvPr>
-          <p:cNvPicPr>
-            <a:picLocks noChangeAspect="1" noChangeArrowheads="1"/>
-          </p:cNvPicPr>
-          <p:nvPr/>
-        </p:nvPicPr>
-        <p:blipFill rotWithShape="1">
-          <a:blip r:embed="rId3">
-            <a:alphaModFix amt="90000"/>
-            <a:extLst>
-              <a:ext uri="{BEBA8EAE-BF5A-486C-A8C5-ECC9F3942E4B}">
-                <a14:imgProps xmlns:a14="http://schemas.microsoft.com/office/drawing/2010/main">
-                  <a14:imgLayer r:embed="rId4">
-                    <a14:imgEffect>
-                      <a14:colorTemperature colorTemp="11500"/>
-                    </a14:imgEffect>
-                    <a14:imgEffect>
-                      <a14:saturation sat="400000"/>
-                    </a14:imgEffect>
-                  </a14:imgLayer>
-                </a14:imgProps>
-              </a:ext>
-              <a:ext uri="{28A0092B-C50C-407E-A947-70E740481C1C}">
-                <a14:useLocalDpi xmlns:a14="http://schemas.microsoft.com/office/drawing/2010/main" val="0"/>
-              </a:ext>
-            </a:extLst>
-          </a:blip>
-          <a:srcRect t="14184" r="14930"/>
-          <a:stretch/>
-        </p:blipFill>
-        <p:spPr bwMode="auto">
-          <a:xfrm>
-            <a:off x="8545657" y="1831406"/>
-            <a:ext cx="3646343" cy="3678303"/>
-          </a:xfrm>
-          <a:prstGeom prst="rect">
-            <a:avLst/>
-          </a:prstGeom>
-          <a:noFill/>
-          <a:effectLst>
-            <a:outerShdw blurRad="50800" dist="50800" dir="5400000" sx="1000" sy="1000" algn="ctr" rotWithShape="0">
-              <a:srgbClr val="000000"/>
-            </a:outerShdw>
-          </a:effectLst>
-        </p:spPr>
-      </p:pic>
     </p:spTree>
     <p:extLst>
       <p:ext uri="{BB962C8B-B14F-4D97-AF65-F5344CB8AC3E}">
